--- a/files/publications/AnandayuvarajThulluriFigueroaShandilyaDavis-FailureKnowledgeAndDesignDecisions-SERP4IoT2023-slides.pptx
+++ b/files/publications/AnandayuvarajThulluriFigueroaShandilyaDavis-FailureKnowledgeAndDesignDecisions-SERP4IoT2023-slides.pptx
@@ -5,10 +5,10 @@
     <p:sldMasterId id="2147483708" r:id="rId1"/>
   </p:sldMasterIdLst>
   <p:notesMasterIdLst>
-    <p:notesMasterId r:id="rId20"/>
+    <p:notesMasterId r:id="rId21"/>
   </p:notesMasterIdLst>
   <p:handoutMasterIdLst>
-    <p:handoutMasterId r:id="rId21"/>
+    <p:handoutMasterId r:id="rId22"/>
   </p:handoutMasterIdLst>
   <p:sldIdLst>
     <p:sldId id="263" r:id="rId2"/>
@@ -20,15 +20,16 @@
     <p:sldId id="1643" r:id="rId8"/>
     <p:sldId id="1644" r:id="rId9"/>
     <p:sldId id="1650" r:id="rId10"/>
-    <p:sldId id="1630" r:id="rId11"/>
-    <p:sldId id="1646" r:id="rId12"/>
-    <p:sldId id="1647" r:id="rId13"/>
-    <p:sldId id="1648" r:id="rId14"/>
-    <p:sldId id="1649" r:id="rId15"/>
-    <p:sldId id="1629" r:id="rId16"/>
-    <p:sldId id="1611" r:id="rId17"/>
-    <p:sldId id="267" r:id="rId18"/>
-    <p:sldId id="1614" r:id="rId19"/>
+    <p:sldId id="1651" r:id="rId11"/>
+    <p:sldId id="1630" r:id="rId12"/>
+    <p:sldId id="1646" r:id="rId13"/>
+    <p:sldId id="1647" r:id="rId14"/>
+    <p:sldId id="1648" r:id="rId15"/>
+    <p:sldId id="1649" r:id="rId16"/>
+    <p:sldId id="1629" r:id="rId17"/>
+    <p:sldId id="1611" r:id="rId18"/>
+    <p:sldId id="267" r:id="rId19"/>
+    <p:sldId id="1614" r:id="rId20"/>
   </p:sldIdLst>
   <p:sldSz cx="12192000" cy="6858000"/>
   <p:notesSz cx="6858000" cy="9144000"/>
@@ -149,6 +150,7 @@
             <p14:sldId id="1643"/>
             <p14:sldId id="1644"/>
             <p14:sldId id="1650"/>
+            <p14:sldId id="1651"/>
           </p14:sldIdLst>
         </p14:section>
         <p14:section name="Results" id="{81318E92-0ACB-434C-87F4-2C4042BBF35E}">
@@ -2971,62 +2973,6 @@
 </pc:chgInfo>
 </file>
 
-<file path=ppt/comments/modernComment_64B_3FD04E47.xml><?xml version="1.0" encoding="utf-8"?>
-<p188:cmLst xmlns:a="http://schemas.openxmlformats.org/drawingml/2006/main" xmlns:r="http://schemas.openxmlformats.org/officeDocument/2006/relationships" xmlns:p188="http://schemas.microsoft.com/office/powerpoint/2018/8/main">
-  <p188:cm id="{C1436296-4829-40DA-AB53-5A6B62166EEE}" authorId="{C31C3A28-A963-11E7-3D7B-AC35D58D0619}" created="2023-05-18T13:09:25.648">
-    <pc:sldMkLst xmlns:pc="http://schemas.microsoft.com/office/powerpoint/2013/main/command">
-      <pc:docMk/>
-      <pc:sldMk cId="1070616135" sldId="1611"/>
-    </pc:sldMkLst>
-    <p188:replyLst>
-      <p188:reply id="{AA9A18D8-88DB-42D2-9089-776AA58FE050}" authorId="{54B8BD6D-8C8E-835A-4297-27DEA0DA630D}" created="2023-05-19T08:38:42.339">
-        <p188:txBody>
-          <a:bodyPr/>
-          <a:lstStyle/>
-          <a:p>
-            <a:r>
-              <a:rPr lang="en-US"/>
-              <a:t>Already there</a:t>
-            </a:r>
-          </a:p>
-        </p188:txBody>
-      </p188:reply>
-    </p188:replyLst>
-    <p188:txBody>
-      <a:bodyPr/>
-      <a:lstStyle/>
-      <a:p>
-        <a:r>
-          <a:rPr lang="en-US"/>
-          <a:t>Please add notes in bonus slide about what is available in zenodo</a:t>
-        </a:r>
-      </a:p>
-    </p188:txBody>
-  </p188:cm>
-  <p188:cm id="{2F760EF4-2DE8-41F8-AFE8-C2C463498D61}" authorId="{C31C3A28-A963-11E7-3D7B-AC35D58D0619}" status="resolved" created="2023-05-18T13:09:44.664" complete="100000">
-    <ac:txMkLst xmlns:ac="http://schemas.microsoft.com/office/drawing/2013/main/command">
-      <pc:docMk xmlns:pc="http://schemas.microsoft.com/office/powerpoint/2013/main/command"/>
-      <pc:sldMk xmlns:pc="http://schemas.microsoft.com/office/powerpoint/2013/main/command" cId="1070616135" sldId="1611"/>
-      <ac:spMk id="2" creationId="{01EE282B-6DB8-4811-ABDE-0AD318D05FBD}"/>
-      <ac:txMk cp="131">
-        <ac:context len="188" hash="3763133256"/>
-      </ac:txMk>
-    </ac:txMkLst>
-    <p188:pos x="508000" y="2013185"/>
-    <p188:txBody>
-      <a:bodyPr/>
-      <a:lstStyle/>
-      <a:p>
-        <a:r>
-          <a:rPr lang="en-US"/>
-          <a:t>Use proper Word visuals, not silly arrows, for this thign</a:t>
-        </a:r>
-      </a:p>
-    </p188:txBody>
-  </p188:cm>
-</p188:cmLst>
-</file>
-
 <file path=ppt/comments/modernComment_658_74978299.xml><?xml version="1.0" encoding="utf-8"?>
 <p188:cmLst xmlns:a="http://schemas.openxmlformats.org/drawingml/2006/main" xmlns:r="http://schemas.openxmlformats.org/officeDocument/2006/relationships" xmlns:p188="http://schemas.microsoft.com/office/powerpoint/2018/8/main">
   <p188:cm id="{45869F69-71FD-4FFE-805E-B189F1871B65}" authorId="{C31C3A28-A963-11E7-3D7B-AC35D58D0619}" status="resolved" created="2023-05-18T13:03:40.995" complete="100000">
@@ -3144,187 +3090,6 @@
         <a:r>
           <a:rPr lang="en-US"/>
           <a:t>The bottom of the box "The correct answer" is a little confusing, it looks like that's part of the prompt we are giving them. Can you tweak slide so that it is more clearly separate?</a:t>
-        </a:r>
-      </a:p>
-    </p188:txBody>
-  </p188:cm>
-</p188:cmLst>
-</file>
-
-<file path=ppt/comments/modernComment_66E_1D203E94.xml><?xml version="1.0" encoding="utf-8"?>
-<p188:cmLst xmlns:a="http://schemas.openxmlformats.org/drawingml/2006/main" xmlns:r="http://schemas.openxmlformats.org/officeDocument/2006/relationships" xmlns:p188="http://schemas.microsoft.com/office/powerpoint/2018/8/main">
-  <p188:cm id="{CF2F6E8C-908B-4765-A398-0DE7B6B36D23}" authorId="{C31C3A28-A963-11E7-3D7B-AC35D58D0619}" status="resolved" created="2023-05-18T13:05:16.045" complete="100000">
-    <ac:txMkLst xmlns:ac="http://schemas.microsoft.com/office/drawing/2013/main/command">
-      <pc:docMk xmlns:pc="http://schemas.microsoft.com/office/powerpoint/2013/main/command"/>
-      <pc:sldMk xmlns:pc="http://schemas.microsoft.com/office/powerpoint/2013/main/command" cId="488652436" sldId="1646"/>
-      <ac:spMk id="3" creationId="{F0FE0E79-3C83-4B98-8C39-ED8503CD699A}"/>
-      <ac:txMk cp="31" len="1">
-        <ac:context len="42" hash="208683954"/>
-      </ac:txMk>
-    </ac:txMkLst>
-    <p188:pos x="10348148" y="244592"/>
-    <p188:txBody>
-      <a:bodyPr/>
-      <a:lstStyle/>
-      <a:p>
-        <a:r>
-          <a:rPr lang="en-US"/>
-          <a:t>rationales?</a:t>
-        </a:r>
-      </a:p>
-    </p188:txBody>
-  </p188:cm>
-  <p188:cm id="{37BCA85F-8750-46F6-B918-A0A6C6BBF6B5}" authorId="{C31C3A28-A963-11E7-3D7B-AC35D58D0619}" created="2023-05-18T13:05:39.920">
-    <ac:txMkLst xmlns:ac="http://schemas.microsoft.com/office/drawing/2013/main/command">
-      <pc:docMk xmlns:pc="http://schemas.microsoft.com/office/powerpoint/2013/main/command"/>
-      <pc:sldMk xmlns:pc="http://schemas.microsoft.com/office/powerpoint/2013/main/command" cId="488652436" sldId="1646"/>
-      <ac:spMk id="10" creationId="{2742AE5E-755B-F393-3403-B43B97D78938}"/>
-      <ac:txMk cp="57" len="9">
-        <ac:context len="119" hash="1062050898"/>
-      </ac:txMk>
-    </ac:txMkLst>
-    <p188:pos x="1458148" y="1683925"/>
-    <p188:replyLst>
-      <p188:reply id="{9BDFB317-23A3-48EE-809D-ED7555BFA029}" authorId="{54B8BD6D-8C8E-835A-4297-27DEA0DA630D}" created="2023-05-19T08:50:07.106">
-        <p188:txBody>
-          <a:bodyPr/>
-          <a:lstStyle/>
-          <a:p>
-            <a:r>
-              <a:rPr lang="en-US"/>
-              <a:t>Got it, I have added animation to bring out each item one by one</a:t>
-            </a:r>
-          </a:p>
-        </p188:txBody>
-      </p188:reply>
-    </p188:replyLst>
-    <p188:txBody>
-      <a:bodyPr/>
-      <a:lstStyle/>
-      <a:p>
-        <a:r>
-          <a:rPr lang="en-US"/>
-          <a:t>These kinds of bullets should be done using animations overlaying the visual</a:t>
-        </a:r>
-      </a:p>
-    </p188:txBody>
-  </p188:cm>
-  <p188:cm id="{076B46A1-9221-4B4A-8091-292929E6D0FE}" authorId="{C31C3A28-A963-11E7-3D7B-AC35D58D0619}" created="2023-05-18T13:06:15.578">
-    <ac:deMkLst xmlns:ac="http://schemas.microsoft.com/office/drawing/2013/main/command">
-      <pc:docMk xmlns:pc="http://schemas.microsoft.com/office/powerpoint/2013/main/command"/>
-      <pc:sldMk xmlns:pc="http://schemas.microsoft.com/office/powerpoint/2013/main/command" cId="488652436" sldId="1646"/>
-      <ac:picMk id="6" creationId="{DEA9CC3C-AD4B-02D1-6B88-17B8D0B1C170}"/>
-    </ac:deMkLst>
-    <p188:replyLst>
-      <p188:reply id="{0C5570A7-EBD4-407C-BF1E-DB570C185F19}" authorId="{C31C3A28-A963-11E7-3D7B-AC35D58D0619}" created="2023-05-18T13:06:52.157">
-        <p188:txBody>
-          <a:bodyPr/>
-          <a:lstStyle/>
-          <a:p>
-            <a:r>
-              <a:rPr lang="en-US"/>
-              <a:t>In speaker notes please indicate whether there was multi-coder and interater agreement</a:t>
-            </a:r>
-          </a:p>
-        </p188:txBody>
-      </p188:reply>
-      <p188:reply id="{7C44F96A-57B1-4521-8E7F-B78AEF287C08}" authorId="{54B8BD6D-8C8E-835A-4297-27DEA0DA630D}" created="2023-05-19T09:07:30.435">
-        <p188:txBody>
-          <a:bodyPr/>
-          <a:lstStyle/>
-          <a:p>
-            <a:r>
-              <a:rPr lang="en-US"/>
-              <a:t>Sure, added: "Two authors conducted the qualitative analysis independently and the results were discussed to resolve conflicts."</a:t>
-            </a:r>
-          </a:p>
-        </p188:txBody>
-      </p188:reply>
-    </p188:replyLst>
-    <p188:txBody>
-      <a:bodyPr/>
-      <a:lstStyle/>
-      <a:p>
-        <a:r>
-          <a:rPr lang="en-US"/>
-          <a:t>Animate this up separately. Add the label "codebook" to it</a:t>
-        </a:r>
-      </a:p>
-    </p188:txBody>
-  </p188:cm>
-</p188:cmLst>
-</file>
-
-<file path=ppt/comments/modernComment_66F_ABD74300.xml><?xml version="1.0" encoding="utf-8"?>
-<p188:cmLst xmlns:a="http://schemas.openxmlformats.org/drawingml/2006/main" xmlns:r="http://schemas.openxmlformats.org/officeDocument/2006/relationships" xmlns:p188="http://schemas.microsoft.com/office/powerpoint/2018/8/main">
-  <p188:cm id="{A5B31BCA-F9FC-48BB-A1AB-C4A8F91BFE0C}" authorId="{C31C3A28-A963-11E7-3D7B-AC35D58D0619}" created="2023-05-18T13:07:52.034">
-    <pc:sldMkLst xmlns:pc="http://schemas.microsoft.com/office/powerpoint/2013/main/command">
-      <pc:docMk/>
-      <pc:sldMk cId="2883011328" sldId="1647"/>
-    </pc:sldMkLst>
-    <p188:replyLst>
-      <p188:reply id="{87FB29EC-440C-4C21-A1C0-B213C5FD035C}" authorId="{C31C3A28-A963-11E7-3D7B-AC35D58D0619}" created="2023-05-18T13:08:32.894">
-        <p188:txBody>
-          <a:bodyPr/>
-          <a:lstStyle/>
-          <a:p>
-            <a:r>
-              <a:rPr lang="en-US"/>
-              <a:t>Speaker notes: Please add some</a:t>
-            </a:r>
-          </a:p>
-        </p188:txBody>
-      </p188:reply>
-    </p188:replyLst>
-    <p188:txBody>
-      <a:bodyPr/>
-      <a:lstStyle/>
-      <a:p>
-        <a:r>
-          <a:rPr lang="en-US"/>
-          <a:t>Why are the quotes inside scrolls? Would be better to just italicize and use quote marks</a:t>
-        </a:r>
-      </a:p>
-    </p188:txBody>
-  </p188:cm>
-</p188:cmLst>
-</file>
-
-<file path=ppt/comments/modernComment_670_DE46BE4C.xml><?xml version="1.0" encoding="utf-8"?>
-<p188:cmLst xmlns:a="http://schemas.openxmlformats.org/drawingml/2006/main" xmlns:r="http://schemas.openxmlformats.org/officeDocument/2006/relationships" xmlns:p188="http://schemas.microsoft.com/office/powerpoint/2018/8/main">
-  <p188:cm id="{3CC4970F-E0D6-41E5-8165-64B09A166F3D}" authorId="{C31C3A28-A963-11E7-3D7B-AC35D58D0619}" created="2023-05-18T13:08:42.098">
-    <pc:sldMkLst xmlns:pc="http://schemas.microsoft.com/office/powerpoint/2013/main/command">
-      <pc:docMk/>
-      <pc:sldMk cId="3729178188" sldId="1648"/>
-    </pc:sldMkLst>
-    <p188:txBody>
-      <a:bodyPr/>
-      <a:lstStyle/>
-      <a:p>
-        <a:r>
-          <a:rPr lang="en-US"/>
-          <a:t>See previous slide</a:t>
-        </a:r>
-      </a:p>
-    </p188:txBody>
-  </p188:cm>
-</p188:cmLst>
-</file>
-
-<file path=ppt/comments/modernComment_671_F0BDCF0A.xml><?xml version="1.0" encoding="utf-8"?>
-<p188:cmLst xmlns:a="http://schemas.openxmlformats.org/drawingml/2006/main" xmlns:r="http://schemas.openxmlformats.org/officeDocument/2006/relationships" xmlns:p188="http://schemas.microsoft.com/office/powerpoint/2018/8/main">
-  <p188:cm id="{8FF484B3-963F-42A4-8E71-7831042C5587}" authorId="{C31C3A28-A963-11E7-3D7B-AC35D58D0619}" created="2023-05-18T13:08:52.772">
-    <pc:sldMkLst xmlns:pc="http://schemas.microsoft.com/office/powerpoint/2013/main/command">
-      <pc:docMk/>
-      <pc:sldMk cId="4038971146" sldId="1649"/>
-    </pc:sldMkLst>
-    <p188:txBody>
-      <a:bodyPr/>
-      <a:lstStyle/>
-      <a:p>
-        <a:r>
-          <a:rPr lang="en-US"/>
-          <a:t>speaker notes</a:t>
         </a:r>
       </a:p>
     </p188:txBody>
@@ -3987,12 +3752,7 @@
             <p:ph type="sldImg"/>
           </p:nvPr>
         </p:nvSpPr>
-        <p:spPr>
-          <a:xfrm>
-            <a:off x="685800" y="1143000"/>
-            <a:ext cx="5486400" cy="3086100"/>
-          </a:xfrm>
-        </p:spPr>
+        <p:spPr/>
       </p:sp>
       <p:sp>
         <p:nvSpPr>
@@ -4010,91 +3770,113 @@
           <a:lstStyle/>
           <a:p>
             <a:r>
-              <a:rPr lang="en-US" dirty="0">
-                <a:cs typeface="Calibri"/>
+              <a:rPr lang="en-US" b="1">
+                <a:effectLst/>
+                <a:latin typeface="Helvetica" pitchFamily="2" charset="0"/>
               </a:rPr>
-              <a:t>We </a:t>
-            </a:r>
-            <a:r>
-              <a:rPr lang="en-US" dirty="0"/>
-              <a:t>compared results of the design decisions between the three groups to evaluate the influence of the failure stories.</a:t>
-            </a:r>
-          </a:p>
-          <a:p>
-            <a:endParaRPr lang="en-US" b="0" i="0" dirty="0">
+              <a:t>Internal threats</a:t>
+            </a:r>
+          </a:p>
+          <a:p>
+            <a:r>
+              <a:rPr lang="en-US">
+                <a:effectLst/>
+                <a:latin typeface="Helvetica" pitchFamily="2" charset="0"/>
+              </a:rPr>
+              <a:t>Our limited sample size and nonequivalent groups could have had confounding effects on experiment results [45].</a:t>
+            </a:r>
+          </a:p>
+          <a:p>
+            <a:r>
+              <a:rPr lang="en-US">
+                <a:effectLst/>
+                <a:latin typeface="Helvetica" pitchFamily="2" charset="0"/>
+              </a:rPr>
+              <a:t>Additionally, our experiment did not control for expertise.</a:t>
+            </a:r>
+          </a:p>
+          <a:p>
+            <a:endParaRPr lang="en-US">
               <a:effectLst/>
-              <a:latin typeface="Arial" panose="020B0604020202020204" pitchFamily="34" charset="0"/>
+              <a:latin typeface="Helvetica" pitchFamily="2" charset="0"/>
             </a:endParaRPr>
           </a:p>
           <a:p>
             <a:r>
-              <a:rPr lang="en-US" b="0" i="0" dirty="0">
+              <a:rPr lang="en-US" b="1">
                 <a:effectLst/>
-                <a:latin typeface="Arial" panose="020B0604020202020204" pitchFamily="34" charset="0"/>
+                <a:latin typeface="Helvetica" pitchFamily="2" charset="0"/>
               </a:rPr>
-              <a:t>This figure illustrates the decisions broken down by group. You can see that in each group, decisions visuall follow a similar distribution.</a:t>
-            </a:r>
-          </a:p>
-          <a:p>
-            <a:r>
-              <a:rPr lang="en-US" dirty="0"/>
-              <a:t>We performed a quantitative comparison of the decisions with a statistical test.</a:t>
-            </a:r>
-          </a:p>
-          <a:p>
-            <a:r>
-              <a:rPr lang="en-US" b="0" i="0" dirty="0">
+              <a:t>External threats</a:t>
+            </a:r>
+            <a:r>
+              <a:rPr lang="en-US">
                 <a:effectLst/>
-                <a:latin typeface="Arial" panose="020B0604020202020204" pitchFamily="34" charset="0"/>
+                <a:latin typeface="Helvetica" pitchFamily="2" charset="0"/>
               </a:rPr>
-              <a:t>Since our sample size was limited, we utilized the Kruskal-Wallis Rank Sum test.</a:t>
-            </a:r>
-          </a:p>
-          <a:p>
-            <a:r>
-              <a:rPr lang="en-US" b="0" i="0" dirty="0">
+              <a:t>:</a:t>
+            </a:r>
+          </a:p>
+          <a:p>
+            <a:r>
+              <a:rPr lang="en-US">
                 <a:effectLst/>
-                <a:latin typeface="Arial" panose="020B0604020202020204" pitchFamily="34" charset="0"/>
+                <a:latin typeface="Helvetica" pitchFamily="2" charset="0"/>
               </a:rPr>
-              <a:t>We tested with a null hypothesis that the decisions are the same between the two conditions (α = 0.5).</a:t>
-            </a:r>
-          </a:p>
-          <a:p>
-            <a:endParaRPr lang="en-US" b="0" i="0" dirty="0">
+              <a:t>Our sample size limits our findings to conjectures.</a:t>
+            </a:r>
+          </a:p>
+          <a:p>
+            <a:r>
+              <a:rPr lang="en-US">
+                <a:effectLst/>
+                <a:latin typeface="Helvetica" pitchFamily="2" charset="0"/>
+              </a:rPr>
+              <a:t>Our questionnaire surveyed for intentions rather than actions, and did not incorporate a full design cycle.</a:t>
+            </a:r>
+          </a:p>
+          <a:p>
+            <a:r>
+              <a:rPr lang="en-US">
+                <a:effectLst/>
+                <a:latin typeface="Helvetica" pitchFamily="2" charset="0"/>
+              </a:rPr>
+              <a:t>Our subjects were students and their responses might not reflect industry practices.</a:t>
+            </a:r>
+          </a:p>
+          <a:p>
+            <a:endParaRPr lang="en-US">
               <a:effectLst/>
-              <a:latin typeface="Arial" panose="020B0604020202020204" pitchFamily="34" charset="0"/>
+              <a:latin typeface="Helvetica" pitchFamily="2" charset="0"/>
             </a:endParaRPr>
           </a:p>
           <a:p>
             <a:r>
-              <a:rPr lang="en-US" b="0" i="0" dirty="0">
+              <a:rPr lang="en-US" b="1">
                 <a:effectLst/>
-                <a:latin typeface="Arial" panose="020B0604020202020204" pitchFamily="34" charset="0"/>
+                <a:latin typeface="Helvetica" pitchFamily="2" charset="0"/>
               </a:rPr>
-              <a:t>We found no reason to reject the null hypothesis – in this experiment, subjects made similar decisions.</a:t>
-            </a:r>
-          </a:p>
-          <a:p>
-            <a:endParaRPr lang="en-US" b="0" i="0" dirty="0">
-              <a:effectLst/>
-              <a:latin typeface="Arial" panose="020B0604020202020204" pitchFamily="34" charset="0"/>
-            </a:endParaRPr>
-          </a:p>
-          <a:p>
-            <a:r>
-              <a:rPr lang="en-US" b="0" i="0" dirty="0">
+              <a:t>Construct threats</a:t>
+            </a:r>
+            <a:r>
+              <a:rPr lang="en-US">
                 <a:effectLst/>
-                <a:latin typeface="Arial" panose="020B0604020202020204" pitchFamily="34" charset="0"/>
+                <a:latin typeface="Helvetica" pitchFamily="2" charset="0"/>
               </a:rPr>
-              <a:t>However, things changed a bit when we look at their </a:t>
-            </a:r>
-            <a:r>
-              <a:rPr lang="en-US" b="0" i="1" dirty="0">
+              <a:t>:</a:t>
+            </a:r>
+          </a:p>
+          <a:p>
+            <a:r>
+              <a:rPr lang="en-US">
                 <a:effectLst/>
-                <a:latin typeface="Arial" panose="020B0604020202020204" pitchFamily="34" charset="0"/>
+                <a:latin typeface="Helvetica" pitchFamily="2" charset="0"/>
               </a:rPr>
-              <a:t>rationales</a:t>
-            </a:r>
+              <a:t>We use design decisions and their rationale as proxy for design processes, which might not reflect industry practices</a:t>
+            </a:r>
+          </a:p>
+          <a:p>
+            <a:endParaRPr lang="en-US"/>
           </a:p>
         </p:txBody>
       </p:sp>
@@ -4114,7 +3896,7 @@
           <a:lstStyle/>
           <a:p>
             <a:fld id="{0A2A37BA-026F-9146-8519-D617D382498F}" type="slidenum">
-              <a:rPr lang="en-US" smtClean="0"/>
+              <a:rPr lang="en-US"/>
               <a:t>10</a:t>
             </a:fld>
             <a:endParaRPr lang="en-US"/>
@@ -4124,7 +3906,7 @@
     </p:spTree>
     <p:extLst>
       <p:ext uri="{BB962C8B-B14F-4D97-AF65-F5344CB8AC3E}">
-        <p14:creationId xmlns:p14="http://schemas.microsoft.com/office/powerpoint/2010/main" val="3201626942"/>
+        <p14:creationId xmlns:p14="http://schemas.microsoft.com/office/powerpoint/2010/main" val="86701457"/>
       </p:ext>
     </p:extLst>
   </p:cSld>
@@ -4184,11 +3966,35 @@
           <a:lstStyle/>
           <a:p>
             <a:r>
+              <a:rPr lang="en-US" dirty="0">
+                <a:cs typeface="Calibri"/>
+              </a:rPr>
+              <a:t>We </a:t>
+            </a:r>
+            <a:r>
+              <a:rPr lang="en-US" dirty="0"/>
+              <a:t>compared results of the design decisions between the three groups to evaluate the influence of the failure stories.</a:t>
+            </a:r>
+          </a:p>
+          <a:p>
+            <a:endParaRPr lang="en-US" b="0" i="0" dirty="0">
+              <a:effectLst/>
+              <a:latin typeface="Arial" panose="020B0604020202020204" pitchFamily="34" charset="0"/>
+            </a:endParaRPr>
+          </a:p>
+          <a:p>
+            <a:r>
               <a:rPr lang="en-US" b="0" i="0" dirty="0">
                 <a:effectLst/>
                 <a:latin typeface="Arial" panose="020B0604020202020204" pitchFamily="34" charset="0"/>
               </a:rPr>
-              <a:t>Since design decisions are complex, we also studied their rationales. </a:t>
+              <a:t>This figure illustrates the decisions broken down by group. You can see that in each group, decisions visuall follow a similar distribution.</a:t>
+            </a:r>
+          </a:p>
+          <a:p>
+            <a:r>
+              <a:rPr lang="en-US" dirty="0"/>
+              <a:t>We performed a quantitative comparison of the decisions with a statistical test.</a:t>
             </a:r>
           </a:p>
           <a:p>
@@ -4197,7 +4003,7 @@
                 <a:effectLst/>
                 <a:latin typeface="Arial" panose="020B0604020202020204" pitchFamily="34" charset="0"/>
               </a:rPr>
-              <a:t>[Click]</a:t>
+              <a:t>Since our sample size was limited, we utilized the Kruskal-Wallis Rank Sum test.</a:t>
             </a:r>
           </a:p>
           <a:p>
@@ -4206,8 +4012,14 @@
                 <a:effectLst/>
                 <a:latin typeface="Arial" panose="020B0604020202020204" pitchFamily="34" charset="0"/>
               </a:rPr>
-              <a:t>With the qualitative data collected from the open response fields, we first performed open coding on a sample set of the data to establish the coding scheme above. </a:t>
-            </a:r>
+              <a:t>We tested with a null hypothesis that the decisions are the same between the two conditions (α = 0.5).</a:t>
+            </a:r>
+          </a:p>
+          <a:p>
+            <a:endParaRPr lang="en-US" b="0" i="0" dirty="0">
+              <a:effectLst/>
+              <a:latin typeface="Arial" panose="020B0604020202020204" pitchFamily="34" charset="0"/>
+            </a:endParaRPr>
           </a:p>
           <a:p>
             <a:r>
@@ -4215,8 +4027,14 @@
                 <a:effectLst/>
                 <a:latin typeface="Arial" panose="020B0604020202020204" pitchFamily="34" charset="0"/>
               </a:rPr>
-              <a:t>This coding scheme was used to perform closed coding on all of the data, and the distribution of responses labeled by the scheme is presented below. </a:t>
-            </a:r>
+              <a:t>We found no reason to reject the null hypothesis – in this experiment, subjects made similar decisions.</a:t>
+            </a:r>
+          </a:p>
+          <a:p>
+            <a:endParaRPr lang="en-US" b="0" i="0" dirty="0">
+              <a:effectLst/>
+              <a:latin typeface="Arial" panose="020B0604020202020204" pitchFamily="34" charset="0"/>
+            </a:endParaRPr>
           </a:p>
           <a:p>
             <a:r>
@@ -4224,81 +4042,14 @@
                 <a:effectLst/>
                 <a:latin typeface="Arial" panose="020B0604020202020204" pitchFamily="34" charset="0"/>
               </a:rPr>
-              <a:t>Two authors conducted the qualitative analysis independently and the results were discussed to resolve conflicts.</a:t>
-            </a:r>
-          </a:p>
-          <a:p>
-            <a:endParaRPr lang="en-US" b="0" i="0" dirty="0">
-              <a:effectLst/>
-              <a:latin typeface="Arial" panose="020B0604020202020204" pitchFamily="34" charset="0"/>
-            </a:endParaRPr>
-          </a:p>
-          <a:p>
-            <a:r>
-              <a:rPr lang="en-US" b="0" i="0" dirty="0">
+              <a:t>However, things changed a bit when we look at their </a:t>
+            </a:r>
+            <a:r>
+              <a:rPr lang="en-US" b="0" i="1" dirty="0">
                 <a:effectLst/>
                 <a:latin typeface="Arial" panose="020B0604020202020204" pitchFamily="34" charset="0"/>
               </a:rPr>
-              <a:t>We observed differences in decision rationales by group, notably in criticality and safety.</a:t>
-            </a:r>
-          </a:p>
-          <a:p>
-            <a:pPr marL="0" marR="0" lvl="0" indent="0" algn="l" defTabSz="914400" rtl="0" eaLnBrk="1" fontAlgn="auto" latinLnBrk="0" hangingPunct="1">
-              <a:lnSpc>
-                <a:spcPct val="100000"/>
-              </a:lnSpc>
-              <a:spcBef>
-                <a:spcPts val="0"/>
-              </a:spcBef>
-              <a:spcAft>
-                <a:spcPts val="0"/>
-              </a:spcAft>
-              <a:buClrTx/>
-              <a:buSzTx/>
-              <a:buFontTx/>
-              <a:buNone/>
-              <a:tabLst/>
-              <a:defRPr/>
-            </a:pPr>
-            <a:r>
-              <a:rPr lang="en-US" b="0" i="0" dirty="0">
-                <a:effectLst/>
-                <a:latin typeface="Arial" panose="020B0604020202020204" pitchFamily="34" charset="0"/>
-              </a:rPr>
-              <a:t>The Control group had similar frequency of cost/performance as the two treatment groups did.</a:t>
-            </a:r>
-          </a:p>
-          <a:p>
-            <a:r>
-              <a:rPr lang="en-US" b="0" i="0" dirty="0">
-                <a:effectLst/>
-                <a:latin typeface="Arial" panose="020B0604020202020204" pitchFamily="34" charset="0"/>
-              </a:rPr>
-              <a:t>The Treatment 1 and the Treatment 2 groups reasoned more about the criticality of the subsystems than the Control group did. </a:t>
-            </a:r>
-          </a:p>
-          <a:p>
-            <a:r>
-              <a:rPr lang="en-US" b="0" i="0" dirty="0">
-                <a:effectLst/>
-                <a:latin typeface="Arial" panose="020B0604020202020204" pitchFamily="34" charset="0"/>
-              </a:rPr>
-              <a:t>The Treatment 2 group reasoned more about safety than the Control group, with Treatment 1 mentioning this the least. </a:t>
-            </a:r>
-          </a:p>
-          <a:p>
-            <a:endParaRPr lang="en-US" b="0" i="0" dirty="0">
-              <a:effectLst/>
-              <a:latin typeface="Arial" panose="020B0604020202020204" pitchFamily="34" charset="0"/>
-            </a:endParaRPr>
-          </a:p>
-          <a:p>
-            <a:r>
-              <a:rPr lang="en-US" b="0" i="0" dirty="0">
-                <a:effectLst/>
-                <a:latin typeface="Arial" panose="020B0604020202020204" pitchFamily="34" charset="0"/>
-              </a:rPr>
-              <a:t>It’s also worth noting the Treatment 2 group seemed to become more concerned with criticality and safety – perhaps excessively so. Note the proportion of reasoning that was attributed to what we defined as INCORRECT responses.</a:t>
+              <a:t>rationales</a:t>
             </a:r>
           </a:p>
         </p:txBody>
@@ -4329,7 +4080,7 @@
     </p:spTree>
     <p:extLst>
       <p:ext uri="{BB962C8B-B14F-4D97-AF65-F5344CB8AC3E}">
-        <p14:creationId xmlns:p14="http://schemas.microsoft.com/office/powerpoint/2010/main" val="1657462133"/>
+        <p14:creationId xmlns:p14="http://schemas.microsoft.com/office/powerpoint/2010/main" val="3201626942"/>
       </p:ext>
     </p:extLst>
   </p:cSld>
@@ -4389,89 +4140,121 @@
           <a:lstStyle/>
           <a:p>
             <a:r>
-              <a:rPr lang="en-US" sz="1200" dirty="0"/>
-              <a:t>First, we found that both treatments helped subjects reason about the criticality of their design decisions. </a:t>
-            </a:r>
-          </a:p>
-          <a:p>
-            <a:r>
-              <a:rPr lang="en-US" sz="1200" dirty="0"/>
-              <a:t>Almost twice the amount of responses from Treatment 1 and Treatment 2 groups reasoned about criticality compared to responses from Control group. </a:t>
-            </a:r>
-          </a:p>
-          <a:p>
-            <a:r>
-              <a:rPr lang="en-US" sz="1200" dirty="0"/>
-              <a:t>We conjecture that this might be due to the mention of criticality in the treatments – remember, this scenario said “Use redundancy for critical systems”.</a:t>
-            </a:r>
-          </a:p>
-          <a:p>
-            <a:r>
-              <a:rPr lang="en-US" sz="1200" b="1" dirty="0"/>
-              <a:t>It is also noteworthy that a larger amount of responses incorrectly judge criticality from Treatment 2 than from Treatment 1 with respect to our assessment. </a:t>
-            </a:r>
-          </a:p>
-          <a:p>
-            <a:r>
-              <a:rPr lang="en-US" sz="1200" dirty="0"/>
-              <a:t>We conjecture that this might be due to an over-precaution for criticality, due to the catastrophic impacts of bad design detailed in the stories, as a result of a priming effect. </a:t>
-            </a:r>
-          </a:p>
-          <a:p>
-            <a:endParaRPr lang="en-US" sz="1200" dirty="0"/>
-          </a:p>
-          <a:p>
-            <a:r>
-              <a:rPr lang="en-US" sz="1200" dirty="0"/>
-              <a:t>To illustrate these findings, a question asked the subjects to make a decision about a crash alert system for robots with the option of only alerting the central warehouse management software or alerting the software as well as other nearby robots. </a:t>
-            </a:r>
-          </a:p>
-          <a:p>
-            <a:r>
-              <a:rPr lang="en-US" sz="1200" dirty="0"/>
-              <a:t>We classified this subsystem as critical, necessitating redundancy with both alerts. </a:t>
-            </a:r>
-          </a:p>
-          <a:p>
-            <a:r>
-              <a:rPr lang="en-US" sz="1200" dirty="0"/>
-              <a:t>[click]</a:t>
-            </a:r>
-          </a:p>
-          <a:p>
-            <a:r>
-              <a:rPr lang="en-US" sz="1200" dirty="0"/>
-              <a:t>A subject from Treatment 1 reasoned about criticality by identifying that “robot crashes are critical.”</a:t>
-            </a:r>
-          </a:p>
-          <a:p>
-            <a:r>
-              <a:rPr lang="en-US" sz="1200" dirty="0"/>
-              <a:t>[click]</a:t>
-            </a:r>
-          </a:p>
-          <a:p>
-            <a:r>
-              <a:rPr lang="en-US" sz="1200" dirty="0"/>
-              <a:t>Likewise, a subject from Treatment 2 said: “In case a robot crashes, it would be important for other robots in its vicinity to know so they can avoid the crash. Otherwise, there could be more crashes...” </a:t>
-            </a:r>
-          </a:p>
-          <a:p>
-            <a:r>
-              <a:rPr lang="en-US" sz="1200" dirty="0"/>
-              <a:t>[click]</a:t>
-            </a:r>
-          </a:p>
-          <a:p>
-            <a:r>
-              <a:rPr lang="en-US" sz="1200" dirty="0"/>
-              <a:t>In contrast, a Control subject was more concerned about cost: “[It is] unlikely for multiple robots to...crash. Immediate human intervention can save $$.” </a:t>
-            </a:r>
-          </a:p>
-          <a:p>
-            <a:r>
-              <a:rPr lang="en-US" sz="1200" dirty="0"/>
-              <a:t>Thus, we conjecture that failure stories are effective at helping engineers reason about the criticality of design decisions.</a:t>
+              <a:rPr lang="en-US" b="0" i="0" dirty="0">
+                <a:effectLst/>
+                <a:latin typeface="Arial" panose="020B0604020202020204" pitchFamily="34" charset="0"/>
+              </a:rPr>
+              <a:t>Since design decisions are complex, we also studied their rationales. </a:t>
+            </a:r>
+          </a:p>
+          <a:p>
+            <a:r>
+              <a:rPr lang="en-US" b="0" i="0" dirty="0">
+                <a:effectLst/>
+                <a:latin typeface="Arial" panose="020B0604020202020204" pitchFamily="34" charset="0"/>
+              </a:rPr>
+              <a:t>[Click]</a:t>
+            </a:r>
+          </a:p>
+          <a:p>
+            <a:r>
+              <a:rPr lang="en-US" b="0" i="0" dirty="0">
+                <a:effectLst/>
+                <a:latin typeface="Arial" panose="020B0604020202020204" pitchFamily="34" charset="0"/>
+              </a:rPr>
+              <a:t>With the qualitative data collected from the open response fields, we first performed open coding on a sample set of the data to establish the coding scheme above. </a:t>
+            </a:r>
+          </a:p>
+          <a:p>
+            <a:r>
+              <a:rPr lang="en-US" b="0" i="0" dirty="0">
+                <a:effectLst/>
+                <a:latin typeface="Arial" panose="020B0604020202020204" pitchFamily="34" charset="0"/>
+              </a:rPr>
+              <a:t>This coding scheme was used to perform closed coding on all of the data, and the distribution of responses labeled by the scheme is presented below. </a:t>
+            </a:r>
+          </a:p>
+          <a:p>
+            <a:r>
+              <a:rPr lang="en-US" b="0" i="0" dirty="0">
+                <a:effectLst/>
+                <a:latin typeface="Arial" panose="020B0604020202020204" pitchFamily="34" charset="0"/>
+              </a:rPr>
+              <a:t>Two authors conducted the qualitative analysis independently and the results were discussed to resolve conflicts.</a:t>
+            </a:r>
+          </a:p>
+          <a:p>
+            <a:endParaRPr lang="en-US" b="0" i="0" dirty="0">
+              <a:effectLst/>
+              <a:latin typeface="Arial" panose="020B0604020202020204" pitchFamily="34" charset="0"/>
+            </a:endParaRPr>
+          </a:p>
+          <a:p>
+            <a:r>
+              <a:rPr lang="en-US" b="0" i="0" dirty="0">
+                <a:effectLst/>
+                <a:latin typeface="Arial" panose="020B0604020202020204" pitchFamily="34" charset="0"/>
+              </a:rPr>
+              <a:t>We observed differences in decision rationales by group, notably in criticality and safety.</a:t>
+            </a:r>
+          </a:p>
+          <a:p>
+            <a:pPr marL="0" marR="0" lvl="0" indent="0" algn="l" defTabSz="914400" rtl="0" eaLnBrk="1" fontAlgn="auto" latinLnBrk="0" hangingPunct="1">
+              <a:lnSpc>
+                <a:spcPct val="100000"/>
+              </a:lnSpc>
+              <a:spcBef>
+                <a:spcPts val="0"/>
+              </a:spcBef>
+              <a:spcAft>
+                <a:spcPts val="0"/>
+              </a:spcAft>
+              <a:buClrTx/>
+              <a:buSzTx/>
+              <a:buFontTx/>
+              <a:buNone/>
+              <a:tabLst/>
+              <a:defRPr/>
+            </a:pPr>
+            <a:r>
+              <a:rPr lang="en-US" b="0" i="0" dirty="0">
+                <a:effectLst/>
+                <a:latin typeface="Arial" panose="020B0604020202020204" pitchFamily="34" charset="0"/>
+              </a:rPr>
+              <a:t>The Control group had similar frequency of cost/performance as the two treatment groups did.</a:t>
+            </a:r>
+          </a:p>
+          <a:p>
+            <a:r>
+              <a:rPr lang="en-US" b="0" i="0" dirty="0">
+                <a:effectLst/>
+                <a:latin typeface="Arial" panose="020B0604020202020204" pitchFamily="34" charset="0"/>
+              </a:rPr>
+              <a:t>The Treatment 1 and the Treatment 2 groups reasoned more about the criticality of the subsystems than the Control group did. </a:t>
+            </a:r>
+          </a:p>
+          <a:p>
+            <a:r>
+              <a:rPr lang="en-US" b="0" i="0" dirty="0">
+                <a:effectLst/>
+                <a:latin typeface="Arial" panose="020B0604020202020204" pitchFamily="34" charset="0"/>
+              </a:rPr>
+              <a:t>The Treatment 2 group reasoned more about safety than the Control group, with Treatment 1 mentioning this the least. </a:t>
+            </a:r>
+          </a:p>
+          <a:p>
+            <a:endParaRPr lang="en-US" b="0" i="0" dirty="0">
+              <a:effectLst/>
+              <a:latin typeface="Arial" panose="020B0604020202020204" pitchFamily="34" charset="0"/>
+            </a:endParaRPr>
+          </a:p>
+          <a:p>
+            <a:r>
+              <a:rPr lang="en-US" b="0" i="0" dirty="0">
+                <a:effectLst/>
+                <a:latin typeface="Arial" panose="020B0604020202020204" pitchFamily="34" charset="0"/>
+              </a:rPr>
+              <a:t>It’s also worth noting the Treatment 2 group seemed to become more concerned with criticality and safety – perhaps excessively so. Note the proportion of reasoning that was attributed to what we defined as INCORRECT responses.</a:t>
             </a:r>
           </a:p>
         </p:txBody>
@@ -4502,7 +4285,7 @@
     </p:spTree>
     <p:extLst>
       <p:ext uri="{BB962C8B-B14F-4D97-AF65-F5344CB8AC3E}">
-        <p14:creationId xmlns:p14="http://schemas.microsoft.com/office/powerpoint/2010/main" val="105849075"/>
+        <p14:creationId xmlns:p14="http://schemas.microsoft.com/office/powerpoint/2010/main" val="1657462133"/>
       </p:ext>
     </p:extLst>
   </p:cSld>
@@ -4563,25 +4346,31 @@
           <a:p>
             <a:r>
               <a:rPr lang="en-US" sz="1200" dirty="0"/>
-              <a:t>Next, we found that Treatment 2 subjects more frequently reasoned about safety. </a:t>
+              <a:t>First, we found that both treatments helped subjects reason about the criticality of their design decisions. </a:t>
             </a:r>
           </a:p>
           <a:p>
             <a:r>
               <a:rPr lang="en-US" sz="1200" dirty="0"/>
-              <a:t>It is also worth noting that the responses from the Control group considered safety more than the responses from Treatment 1. </a:t>
+              <a:t>Almost twice the amount of responses from Treatment 1 and Treatment 2 groups reasoned about criticality compared to responses from Control group. </a:t>
             </a:r>
           </a:p>
           <a:p>
             <a:r>
               <a:rPr lang="en-US" sz="1200" dirty="0"/>
-              <a:t>We conjecture this is due to the lack of constraints for the Control group subjects, enabling them to brainstorm factors (such as safety) to guide their decisions. </a:t>
+              <a:t>We conjecture that this might be due to the mention of criticality in the treatments – remember, this scenario said “Use redundancy for critical systems”.</a:t>
+            </a:r>
+          </a:p>
+          <a:p>
+            <a:r>
+              <a:rPr lang="en-US" sz="1200" b="1" dirty="0"/>
+              <a:t>It is also noteworthy that a larger amount of responses incorrectly judge criticality from Treatment 2 than from Treatment 1 with respect to our assessment. </a:t>
             </a:r>
           </a:p>
           <a:p>
             <a:r>
               <a:rPr lang="en-US" sz="1200" dirty="0"/>
-              <a:t>This is consistent with prior findings about decision making in SE. </a:t>
+              <a:t>We conjecture that this might be due to an over-precaution for criticality, due to the catastrophic impacts of bad design detailed in the stories, as a result of a priming effect. </a:t>
             </a:r>
           </a:p>
           <a:p>
@@ -4590,7 +4379,13 @@
           <a:p>
             <a:r>
               <a:rPr lang="en-US" sz="1200" dirty="0"/>
-              <a:t>To illustrate these findings, a question asked subjects to make a decision about segmenting networks between personal and industrial devices, which could have safety implications under malicious circumstances. </a:t>
+              <a:t>To illustrate these findings, a question asked the subjects to make a decision about a crash alert system for robots with the option of only alerting the central warehouse management software or alerting the software as well as other nearby robots. </a:t>
+            </a:r>
+          </a:p>
+          <a:p>
+            <a:r>
+              <a:rPr lang="en-US" sz="1200" dirty="0"/>
+              <a:t>We classified this subsystem as critical, necessitating redundancy with both alerts. </a:t>
             </a:r>
           </a:p>
           <a:p>
@@ -4602,7 +4397,7 @@
           <a:p>
             <a:r>
               <a:rPr lang="en-US" sz="1200" dirty="0"/>
-              <a:t>A Treatment 2 subject identified safety impacts of the decision: “If a worker clicks on malicious link or gets virus. . . on personal device, this could be dangerous if industrial controls are on same network. It is double the price, but safety should be higher concern.” </a:t>
+              <a:t>A subject from Treatment 1 reasoned about criticality by identifying that “robot crashes are critical.”</a:t>
             </a:r>
           </a:p>
           <a:p>
@@ -4614,7 +4409,7 @@
           <a:p>
             <a:r>
               <a:rPr lang="en-US" sz="1200" dirty="0"/>
-              <a:t>A Control subject identified a malicious scenario — “Attack on one can save the other” — implying that they recognize the safety measure to isolate the critical subsystem. </a:t>
+              <a:t>Likewise, a subject from Treatment 2 said: “In case a robot crashes, it would be important for other robots in its vicinity to know so they can avoid the crash. Otherwise, there could be more crashes...” </a:t>
             </a:r>
           </a:p>
           <a:p>
@@ -4626,7 +4421,13 @@
           <a:p>
             <a:r>
               <a:rPr lang="en-US" sz="1200" dirty="0"/>
-              <a:t>In contrast, the rationale of a Treatment 1 subject was limited to the design guidelines provided and did not consider safety: “Separation of core devices, Better security.”</a:t>
+              <a:t>In contrast, a Control subject was more concerned about cost: “[It is] unlikely for multiple robots to...crash. Immediate human intervention can save $$.” </a:t>
+            </a:r>
+          </a:p>
+          <a:p>
+            <a:r>
+              <a:rPr lang="en-US" sz="1200" dirty="0"/>
+              <a:t>Thus, we conjecture that failure stories are effective at helping engineers reason about the criticality of design decisions.</a:t>
             </a:r>
           </a:p>
         </p:txBody>
@@ -4657,7 +4458,7 @@
     </p:spTree>
     <p:extLst>
       <p:ext uri="{BB962C8B-B14F-4D97-AF65-F5344CB8AC3E}">
-        <p14:creationId xmlns:p14="http://schemas.microsoft.com/office/powerpoint/2010/main" val="1754983939"/>
+        <p14:creationId xmlns:p14="http://schemas.microsoft.com/office/powerpoint/2010/main" val="105849075"/>
       </p:ext>
     </p:extLst>
   </p:cSld>
@@ -4717,76 +4518,72 @@
           <a:lstStyle/>
           <a:p>
             <a:r>
-              <a:rPr lang="en-US" b="0" i="0" dirty="0">
-                <a:effectLst/>
-                <a:latin typeface="Arial" panose="020B0604020202020204" pitchFamily="34" charset="0"/>
-              </a:rPr>
-              <a:t>Additionally, we found that across all groups, 8 of the 21 subjects used anecdotal logic as design rationales.</a:t>
-            </a:r>
-          </a:p>
-          <a:p>
-            <a:r>
-              <a:rPr lang="en-US" b="0" i="0" dirty="0">
-                <a:effectLst/>
-                <a:latin typeface="Arial" panose="020B0604020202020204" pitchFamily="34" charset="0"/>
-              </a:rPr>
+              <a:rPr lang="en-US" sz="1200" dirty="0"/>
+              <a:t>Next, we found that Treatment 2 subjects more frequently reasoned about safety. </a:t>
+            </a:r>
+          </a:p>
+          <a:p>
+            <a:r>
+              <a:rPr lang="en-US" sz="1200" dirty="0"/>
+              <a:t>It is also worth noting that the responses from the Control group considered safety more than the responses from Treatment 1. </a:t>
+            </a:r>
+          </a:p>
+          <a:p>
+            <a:r>
+              <a:rPr lang="en-US" sz="1200" dirty="0"/>
+              <a:t>We conjecture this is due to the lack of constraints for the Control group subjects, enabling them to brainstorm factors (such as safety) to guide their decisions. </a:t>
+            </a:r>
+          </a:p>
+          <a:p>
+            <a:r>
+              <a:rPr lang="en-US" sz="1200" dirty="0"/>
+              <a:t>This is consistent with prior findings about decision making in SE. </a:t>
+            </a:r>
+          </a:p>
+          <a:p>
+            <a:endParaRPr lang="en-US" sz="1200" dirty="0"/>
+          </a:p>
+          <a:p>
+            <a:r>
+              <a:rPr lang="en-US" sz="1200" dirty="0"/>
+              <a:t>To illustrate these findings, a question asked subjects to make a decision about segmenting networks between personal and industrial devices, which could have safety implications under malicious circumstances. </a:t>
+            </a:r>
+          </a:p>
+          <a:p>
+            <a:r>
+              <a:rPr lang="en-US" sz="1200" dirty="0"/>
               <a:t>[click]</a:t>
             </a:r>
           </a:p>
           <a:p>
             <a:r>
-              <a:rPr lang="en-US" b="0" i="0" dirty="0">
-                <a:effectLst/>
-                <a:latin typeface="Arial" panose="020B0604020202020204" pitchFamily="34" charset="0"/>
-              </a:rPr>
-              <a:t>For example, a Treatment 2 subject correctly cited the failure story we provided to choose redundancy for a safety-critical subsystem: “As we learned from the plane crash...design redundancy can help avoid terrible consequences. If the robots have only one sensor that becomes compromised, it could be hazardous for workers.” </a:t>
-            </a:r>
-          </a:p>
-          <a:p>
-            <a:r>
-              <a:rPr lang="en-US" b="0" i="0" dirty="0">
-                <a:effectLst/>
-                <a:latin typeface="Arial" panose="020B0604020202020204" pitchFamily="34" charset="0"/>
-              </a:rPr>
+              <a:rPr lang="en-US" sz="1200" dirty="0"/>
+              <a:t>A Treatment 2 subject identified safety impacts of the decision: “If a worker clicks on malicious link or gets virus. . . on personal device, this could be dangerous if industrial controls are on same network. It is double the price, but safety should be higher concern.” </a:t>
+            </a:r>
+          </a:p>
+          <a:p>
+            <a:r>
+              <a:rPr lang="en-US" sz="1200" dirty="0"/>
               <a:t>[click]</a:t>
             </a:r>
           </a:p>
           <a:p>
             <a:r>
-              <a:rPr lang="en-US" b="0" i="0" dirty="0">
-                <a:effectLst/>
-                <a:latin typeface="Arial" panose="020B0604020202020204" pitchFamily="34" charset="0"/>
-              </a:rPr>
-              <a:t>A Control subject incorrectly cited the university network as a basis to not segment personal and industrial networks: “I’m pretty sure all of the devices at [our university] share one or two connections so given that, it’s probably good enough here as well.” </a:t>
-            </a:r>
-          </a:p>
-          <a:p>
-            <a:r>
-              <a:rPr lang="en-US" b="0" i="0" dirty="0">
-                <a:effectLst/>
-                <a:latin typeface="Arial" panose="020B0604020202020204" pitchFamily="34" charset="0"/>
-              </a:rPr>
+              <a:rPr lang="en-US" sz="1200" dirty="0"/>
+              <a:t>A Control subject identified a malicious scenario — “Attack on one can save the other” — implying that they recognize the safety measure to isolate the critical subsystem. </a:t>
+            </a:r>
+          </a:p>
+          <a:p>
+            <a:r>
+              <a:rPr lang="en-US" sz="1200" dirty="0"/>
               <a:t>[click]</a:t>
             </a:r>
           </a:p>
           <a:p>
             <a:r>
-              <a:rPr lang="en-US" b="0" i="0" dirty="0">
-                <a:effectLst/>
-                <a:latin typeface="Arial" panose="020B0604020202020204" pitchFamily="34" charset="0"/>
-              </a:rPr>
-              <a:t>A Treatment 1 subject likewise incorrectly cited the concept of robot swarms as a justification for maintaining a single communication channel for all robots in the warehouse: “I believe this is what swarm means, to have all the robots be controlled under a single connection.” </a:t>
-            </a:r>
-          </a:p>
-          <a:p>
-            <a:r>
-              <a:rPr lang="en-US" b="0" i="0" dirty="0">
-                <a:effectLst/>
-                <a:latin typeface="Arial" panose="020B0604020202020204" pitchFamily="34" charset="0"/>
-              </a:rPr>
-              <a:t>We know that anecdotal logic is part of human nature; and if engineers use anecdotal logic, then failure stories provide relevant anecdotes. </a:t>
-            </a:r>
-            <a:endParaRPr lang="en-US" sz="1200" dirty="0"/>
+              <a:rPr lang="en-US" sz="1200" dirty="0"/>
+              <a:t>In contrast, the rationale of a Treatment 1 subject was limited to the design guidelines provided and did not consider safety: “Separation of core devices, Better security.”</a:t>
+            </a:r>
           </a:p>
         </p:txBody>
       </p:sp>
@@ -4816,7 +4613,7 @@
     </p:spTree>
     <p:extLst>
       <p:ext uri="{BB962C8B-B14F-4D97-AF65-F5344CB8AC3E}">
-        <p14:creationId xmlns:p14="http://schemas.microsoft.com/office/powerpoint/2010/main" val="717844526"/>
+        <p14:creationId xmlns:p14="http://schemas.microsoft.com/office/powerpoint/2010/main" val="1754983939"/>
       </p:ext>
     </p:extLst>
   </p:cSld>
@@ -4876,87 +4673,76 @@
           <a:lstStyle/>
           <a:p>
             <a:r>
-              <a:rPr lang="en-US">
+              <a:rPr lang="en-US" b="0" i="0" dirty="0">
                 <a:effectLst/>
-                <a:latin typeface="Helvetica" pitchFamily="2" charset="0"/>
+                <a:latin typeface="Arial" panose="020B0604020202020204" pitchFamily="34" charset="0"/>
               </a:rPr>
-              <a:t>First, motivated by our difficulty studying design decisions at a binary level, we advocate for experimental methods to measure and understand design rationales.</a:t>
-            </a:r>
-          </a:p>
-          <a:p>
-            <a:r>
-              <a:rPr lang="en-US">
+              <a:t>Additionally, we found that across all groups, 8 of the 21 subjects used anecdotal logic as design rationales.</a:t>
+            </a:r>
+          </a:p>
+          <a:p>
+            <a:r>
+              <a:rPr lang="en-US" b="0" i="0" dirty="0">
                 <a:effectLst/>
-                <a:latin typeface="Helvetica" pitchFamily="2" charset="0"/>
+                <a:latin typeface="Arial" panose="020B0604020202020204" pitchFamily="34" charset="0"/>
               </a:rPr>
-              <a:t>We suggest that qualitative analysis of rationales seems an appropriate path. A taxonomy of rationales could be a useful aid in experimental design.</a:t>
-            </a:r>
-          </a:p>
-          <a:p>
-            <a:r>
-              <a:rPr lang="en-US">
+              <a:t>[click]</a:t>
+            </a:r>
+          </a:p>
+          <a:p>
+            <a:r>
+              <a:rPr lang="en-US" b="0" i="0" dirty="0">
                 <a:effectLst/>
-                <a:latin typeface="Helvetica" pitchFamily="2" charset="0"/>
+                <a:latin typeface="Arial" panose="020B0604020202020204" pitchFamily="34" charset="0"/>
               </a:rPr>
-              <a:t>Measuring rationale in the context of the more systematic engineering techniques used in IoT design (e.g., FMEA [42], STAMP [43]) is an open problem.</a:t>
-            </a:r>
-          </a:p>
-          <a:p>
-            <a:endParaRPr lang="en-US">
-              <a:effectLst/>
-              <a:latin typeface="Helvetica" pitchFamily="2" charset="0"/>
-            </a:endParaRPr>
-          </a:p>
-          <a:p>
-            <a:r>
-              <a:rPr lang="en-US">
+              <a:t>For example, a Treatment 2 subject correctly cited the failure story we provided to choose redundancy for a safety-critical subsystem: “As we learned from the plane crash...design redundancy can help avoid terrible consequences. If the robots have only one sensor that becomes compromised, it could be hazardous for workers.” </a:t>
+            </a:r>
+          </a:p>
+          <a:p>
+            <a:r>
+              <a:rPr lang="en-US" b="0" i="0" dirty="0">
                 <a:effectLst/>
-                <a:latin typeface="Helvetica" pitchFamily="2" charset="0"/>
+                <a:latin typeface="Arial" panose="020B0604020202020204" pitchFamily="34" charset="0"/>
               </a:rPr>
-              <a:t>Second, we propose an investigation into the effectiveness of guideline-based practices at enabling developers to reason</a:t>
-            </a:r>
-          </a:p>
-          <a:p>
-            <a:r>
-              <a:rPr lang="en-US">
+              <a:t>[click]</a:t>
+            </a:r>
+          </a:p>
+          <a:p>
+            <a:r>
+              <a:rPr lang="en-US" b="0" i="0" dirty="0">
                 <a:effectLst/>
-                <a:latin typeface="Helvetica" pitchFamily="2" charset="0"/>
+                <a:latin typeface="Arial" panose="020B0604020202020204" pitchFamily="34" charset="0"/>
               </a:rPr>
-              <a:t>about holistic (e.g., safety, security, performance) implications of their design decisions.</a:t>
-            </a:r>
-          </a:p>
-          <a:p>
-            <a:r>
-              <a:rPr lang="en-US">
+              <a:t>A Control subject incorrectly cited the university network as a basis to not segment personal and industrial networks: “I’m pretty sure all of the devices at [our university] share one or two connections so given that, it’s probably good enough here as well.” </a:t>
+            </a:r>
+          </a:p>
+          <a:p>
+            <a:r>
+              <a:rPr lang="en-US" b="0" i="0" dirty="0">
                 <a:effectLst/>
-                <a:latin typeface="Helvetica" pitchFamily="2" charset="0"/>
+                <a:latin typeface="Arial" panose="020B0604020202020204" pitchFamily="34" charset="0"/>
               </a:rPr>
-              <a:t>While we compared the influence of a guideline-based design practice against a failure-aware design practice, there is limited knowledge on the effectiveness of guideline-based design processes in the first place.</a:t>
-            </a:r>
-          </a:p>
-          <a:p>
-            <a:r>
-              <a:rPr lang="en-US">
+              <a:t>[click]</a:t>
+            </a:r>
+          </a:p>
+          <a:p>
+            <a:r>
+              <a:rPr lang="en-US" b="0" i="0" dirty="0">
                 <a:effectLst/>
-                <a:latin typeface="Helvetica" pitchFamily="2" charset="0"/>
+                <a:latin typeface="Arial" panose="020B0604020202020204" pitchFamily="34" charset="0"/>
               </a:rPr>
-              <a:t>As a step toward this insight, we plan a larger experiment using guideline-based treatments focused on safety-critical design decisions with constraints such as time, cost, and performance, again considering the design process and rationale.</a:t>
-            </a:r>
-          </a:p>
-          <a:p>
-            <a:endParaRPr lang="en-US">
-              <a:effectLst/>
-              <a:latin typeface="Helvetica" pitchFamily="2" charset="0"/>
-            </a:endParaRPr>
-          </a:p>
-          <a:p>
-            <a:r>
-              <a:rPr lang="en-US">
+              <a:t>A Treatment 1 subject likewise incorrectly cited the concept of robot swarms as a justification for maintaining a single communication channel for all robots in the warehouse: “I believe this is what swarm means, to have all the robots be controlled under a single connection.” </a:t>
+            </a:r>
+          </a:p>
+          <a:p>
+            <a:r>
+              <a:rPr lang="en-US" b="0" i="0" dirty="0">
                 <a:effectLst/>
-                <a:latin typeface="Helvetica" pitchFamily="2" charset="0"/>
+                <a:latin typeface="Arial" panose="020B0604020202020204" pitchFamily="34" charset="0"/>
               </a:rPr>
-              <a:t>Third, we take for granted the existence of “best practices” and design guidelines. For example, ENISA, NIST, etc. publish lengthy guidelines for safe IoT systems, for secure IoT systems, and so on. Where do these come from? What are the current processes for learning from design failures? How effective are they?</a:t>
-            </a:r>
+              <a:t>We know that anecdotal logic is part of human nature; and if engineers use anecdotal logic, then failure stories provide relevant anecdotes. </a:t>
+            </a:r>
+            <a:endParaRPr lang="en-US" sz="1200" dirty="0"/>
           </a:p>
         </p:txBody>
       </p:sp>
@@ -4986,7 +4772,7 @@
     </p:spTree>
     <p:extLst>
       <p:ext uri="{BB962C8B-B14F-4D97-AF65-F5344CB8AC3E}">
-        <p14:creationId xmlns:p14="http://schemas.microsoft.com/office/powerpoint/2010/main" val="3541495615"/>
+        <p14:creationId xmlns:p14="http://schemas.microsoft.com/office/powerpoint/2010/main" val="717844526"/>
       </p:ext>
     </p:extLst>
   </p:cSld>
@@ -5045,177 +4831,183 @@
           <a:bodyPr/>
           <a:lstStyle/>
           <a:p>
-            <a:pPr marL="0" marR="0" lvl="0" indent="0" algn="l" defTabSz="914400" rtl="0" eaLnBrk="1" fontAlgn="auto" latinLnBrk="0" hangingPunct="1">
-              <a:lnSpc>
-                <a:spcPct val="100000"/>
-              </a:lnSpc>
-              <a:spcBef>
-                <a:spcPts val="0"/>
-              </a:spcBef>
-              <a:spcAft>
-                <a:spcPts val="0"/>
-              </a:spcAft>
-              <a:buClrTx/>
-              <a:buSzTx/>
+            <a:r>
+              <a:rPr lang="en-US">
+                <a:effectLst/>
+                <a:latin typeface="Helvetica" pitchFamily="2" charset="0"/>
+              </a:rPr>
+              <a:t>First, motivated by our difficulty studying design decisions at a binary level, we advocate for experimental methods to measure and understand design rationales.</a:t>
+            </a:r>
+          </a:p>
+          <a:p>
+            <a:r>
+              <a:rPr lang="en-US">
+                <a:effectLst/>
+                <a:latin typeface="Helvetica" pitchFamily="2" charset="0"/>
+              </a:rPr>
+              <a:t>We suggest that qualitative analysis of rationales seems an appropriate path. A taxonomy of rationales could be a useful aid in experimental design.</a:t>
+            </a:r>
+          </a:p>
+          <a:p>
+            <a:r>
+              <a:rPr lang="en-US">
+                <a:effectLst/>
+                <a:latin typeface="Helvetica" pitchFamily="2" charset="0"/>
+              </a:rPr>
+              <a:t>Measuring rationale in the context of the more systematic engineering techniques used in IoT design (e.g., FMEA [42], STAMP [43]) is an open problem.</a:t>
+            </a:r>
+          </a:p>
+          <a:p>
+            <a:endParaRPr lang="en-US">
+              <a:effectLst/>
+              <a:latin typeface="Helvetica" pitchFamily="2" charset="0"/>
+            </a:endParaRPr>
+          </a:p>
+          <a:p>
+            <a:r>
+              <a:rPr lang="en-US">
+                <a:effectLst/>
+                <a:latin typeface="Helvetica" pitchFamily="2" charset="0"/>
+              </a:rPr>
+              <a:t>Second, we propose an investigation into the effectiveness of guideline-based practices at enabling developers to reason</a:t>
+            </a:r>
+          </a:p>
+          <a:p>
+            <a:r>
+              <a:rPr lang="en-US">
+                <a:effectLst/>
+                <a:latin typeface="Helvetica" pitchFamily="2" charset="0"/>
+              </a:rPr>
+              <a:t>about holistic (e.g., safety, security, performance) implications of their design decisions.</a:t>
+            </a:r>
+          </a:p>
+          <a:p>
+            <a:r>
+              <a:rPr lang="en-US">
+                <a:effectLst/>
+                <a:latin typeface="Helvetica" pitchFamily="2" charset="0"/>
+              </a:rPr>
+              <a:t>While we compared the influence of a guideline-based design practice against a failure-aware design practice, there is limited knowledge on the effectiveness of guideline-based design processes in the first place.</a:t>
+            </a:r>
+          </a:p>
+          <a:p>
+            <a:r>
+              <a:rPr lang="en-US">
+                <a:effectLst/>
+                <a:latin typeface="Helvetica" pitchFamily="2" charset="0"/>
+              </a:rPr>
+              <a:t>As a step toward this insight, we plan a larger experiment using guideline-based treatments focused on safety-critical design decisions with constraints such as time, cost, and performance, again considering the design process and rationale.</a:t>
+            </a:r>
+          </a:p>
+          <a:p>
+            <a:endParaRPr lang="en-US">
+              <a:effectLst/>
+              <a:latin typeface="Helvetica" pitchFamily="2" charset="0"/>
+            </a:endParaRPr>
+          </a:p>
+          <a:p>
+            <a:r>
+              <a:rPr lang="en-US">
+                <a:effectLst/>
+                <a:latin typeface="Helvetica" pitchFamily="2" charset="0"/>
+              </a:rPr>
+              <a:t>Third, we take for granted the existence of “best practices” and design guidelines. For example, ENISA, NIST, etc. publish lengthy guidelines for safe IoT systems, for secure IoT systems, and so on. Where do these come from? What are the current processes for learning from design failures? How effective are they?</a:t>
+            </a:r>
+          </a:p>
+          <a:p>
+            <a:r>
+              <a:rPr lang="en-US">
+                <a:effectLst/>
+                <a:latin typeface="Helvetica" pitchFamily="2" charset="0"/>
+              </a:rPr>
+              <a:t>If failure-based learning treatments are effective at instilling good design practices, then we need research into how industry identifies failures and applies the knowledge.</a:t>
+            </a:r>
+          </a:p>
+          <a:p>
+            <a:r>
+              <a:rPr lang="en-US">
+                <a:effectLst/>
+                <a:latin typeface="Helvetica" pitchFamily="2" charset="0"/>
+              </a:rPr>
+              <a:t>Many unknowns:</a:t>
+            </a:r>
+          </a:p>
+          <a:p>
+            <a:pPr marL="171450" indent="-171450">
               <a:buFontTx/>
-              <a:buNone/>
-              <a:tabLst/>
-              <a:defRPr/>
+              <a:buChar char="-"/>
             </a:pPr>
             <a:r>
-              <a:rPr lang="en-US" dirty="0"/>
-              <a:t>In conclusion, </a:t>
-            </a:r>
-            <a:r>
-              <a:rPr lang="en-US" sz="1200" dirty="0">
-                <a:solidFill>
-                  <a:srgbClr val="000000">
-                    <a:lumMod val="85000"/>
-                    <a:lumOff val="15000"/>
-                  </a:srgbClr>
-                </a:solidFill>
+              <a:rPr lang="en-US">
+                <a:effectLst/>
+                <a:latin typeface="Helvetica" pitchFamily="2" charset="0"/>
               </a:rPr>
-              <a:t>we studied real-world IoT systems and observed </a:t>
-            </a:r>
-            <a:r>
-              <a:rPr lang="en-US" sz="1200" u="sng" dirty="0">
-                <a:solidFill>
-                  <a:srgbClr val="000000">
-                    <a:lumMod val="85000"/>
-                    <a:lumOff val="15000"/>
-                  </a:srgbClr>
-                </a:solidFill>
+              <a:t>Whether and how organizations currently document and learn from system failures. </a:t>
+            </a:r>
+          </a:p>
+          <a:p>
+            <a:pPr marL="171450" indent="-171450">
+              <a:buFontTx/>
+              <a:buChar char="-"/>
+            </a:pPr>
+            <a:r>
+              <a:rPr lang="en-US">
+                <a:effectLst/>
+                <a:latin typeface="Helvetica" pitchFamily="2" charset="0"/>
               </a:rPr>
-              <a:t>recurring</a:t>
-            </a:r>
-            <a:r>
-              <a:rPr lang="en-US" sz="1200" dirty="0">
-                <a:solidFill>
-                  <a:srgbClr val="000000">
-                    <a:lumMod val="85000"/>
-                    <a:lumOff val="15000"/>
-                  </a:srgbClr>
-                </a:solidFill>
+              <a:t>The knowledge transfer processes used to share system postmortems across teams and organizations</a:t>
+            </a:r>
+          </a:p>
+          <a:p>
+            <a:pPr marL="171450" indent="-171450">
+              <a:buFontTx/>
+              <a:buChar char="-"/>
+            </a:pPr>
+            <a:r>
+              <a:rPr lang="en-US">
+                <a:effectLst/>
+                <a:latin typeface="Helvetica" pitchFamily="2" charset="0"/>
               </a:rPr>
-              <a:t> failure trends both within and across application domains.</a:t>
-            </a:r>
-          </a:p>
-          <a:p>
-            <a:pPr marL="0" marR="0" lvl="0" indent="0" algn="l" defTabSz="914400" rtl="0" eaLnBrk="1" fontAlgn="auto" latinLnBrk="0" hangingPunct="1">
-              <a:lnSpc>
-                <a:spcPct val="100000"/>
-              </a:lnSpc>
-              <a:spcBef>
-                <a:spcPts val="0"/>
-              </a:spcBef>
-              <a:spcAft>
-                <a:spcPts val="0"/>
-              </a:spcAft>
-              <a:buClrTx/>
-              <a:buSzTx/>
+              <a:t>How effectively do teams generalize from a specific failure to the broader class?</a:t>
+            </a:r>
+          </a:p>
+          <a:p>
+            <a:pPr marL="171450" indent="-171450">
               <a:buFontTx/>
-              <a:buNone/>
-              <a:tabLst/>
-              <a:defRPr/>
+              <a:buChar char="-"/>
             </a:pPr>
-            <a:endParaRPr lang="en-US" dirty="0"/>
-          </a:p>
-          <a:p>
-            <a:pPr marL="0" marR="0" lvl="0" indent="0" algn="l" defTabSz="914400" rtl="0" eaLnBrk="1" fontAlgn="auto" latinLnBrk="0" hangingPunct="1">
-              <a:lnSpc>
-                <a:spcPct val="100000"/>
-              </a:lnSpc>
-              <a:spcBef>
-                <a:spcPts val="0"/>
-              </a:spcBef>
-              <a:spcAft>
-                <a:spcPts val="0"/>
-              </a:spcAft>
-              <a:buClrTx/>
-              <a:buSzTx/>
+            <a:r>
+              <a:rPr lang="en-US">
+                <a:effectLst/>
+                <a:latin typeface="Helvetica" pitchFamily="2" charset="0"/>
+              </a:rPr>
+              <a:t>What are the limits of generalization?</a:t>
+            </a:r>
+          </a:p>
+          <a:p>
+            <a:pPr marL="171450" indent="-171450">
               <a:buFontTx/>
-              <a:buNone/>
-              <a:tabLst/>
-              <a:defRPr/>
+              <a:buChar char="-"/>
             </a:pPr>
             <a:r>
-              <a:rPr lang="en-US" dirty="0"/>
-              <a:t>[Click]</a:t>
-            </a:r>
-          </a:p>
-          <a:p>
-            <a:pPr marL="0" marR="0" lvl="0" indent="0" algn="l" defTabSz="914400" rtl="0" eaLnBrk="1" fontAlgn="auto" latinLnBrk="0" hangingPunct="1">
-              <a:lnSpc>
-                <a:spcPct val="100000"/>
-              </a:lnSpc>
-              <a:spcBef>
-                <a:spcPts val="0"/>
-              </a:spcBef>
-              <a:spcAft>
-                <a:spcPts val="0"/>
-              </a:spcAft>
-              <a:buClrTx/>
-              <a:buSzTx/>
-              <a:buFontTx/>
-              <a:buNone/>
-              <a:tabLst/>
-              <a:defRPr/>
-            </a:pPr>
-            <a:r>
-              <a:rPr lang="en-US" dirty="0"/>
-              <a:t>To alleviate recurring failure trends, we recommend a research agenda towards a </a:t>
-            </a:r>
-            <a:r>
-              <a:rPr lang="en-US" u="sng" dirty="0"/>
-              <a:t>Failure-Aware</a:t>
-            </a:r>
-            <a:r>
-              <a:rPr lang="en-US" dirty="0"/>
-              <a:t> Software Development Life Cycle for IoT.</a:t>
-            </a:r>
-          </a:p>
-          <a:p>
-            <a:pPr marL="0" marR="0" lvl="0" indent="0" algn="l" defTabSz="914400" rtl="0" eaLnBrk="1" fontAlgn="auto" latinLnBrk="0" hangingPunct="1">
-              <a:lnSpc>
-                <a:spcPct val="100000"/>
-              </a:lnSpc>
-              <a:spcBef>
-                <a:spcPts val="0"/>
-              </a:spcBef>
-              <a:spcAft>
-                <a:spcPts val="0"/>
-              </a:spcAft>
-              <a:buClrTx/>
-              <a:buSzTx/>
-              <a:buFontTx/>
-              <a:buNone/>
-              <a:tabLst/>
-              <a:defRPr/>
-            </a:pPr>
-            <a:endParaRPr lang="en-US" dirty="0"/>
-          </a:p>
-          <a:p>
-            <a:pPr marL="0" marR="0" lvl="0" indent="0" algn="l" defTabSz="914400" rtl="0" eaLnBrk="1" fontAlgn="auto" latinLnBrk="0" hangingPunct="1">
-              <a:lnSpc>
-                <a:spcPct val="100000"/>
-              </a:lnSpc>
-              <a:spcBef>
-                <a:spcPts val="0"/>
-              </a:spcBef>
-              <a:spcAft>
-                <a:spcPts val="0"/>
-              </a:spcAft>
-              <a:buClrTx/>
-              <a:buSzTx/>
-              <a:buFontTx/>
-              <a:buNone/>
-              <a:tabLst/>
-              <a:defRPr/>
-            </a:pPr>
-            <a:r>
-              <a:rPr lang="en-US" dirty="0"/>
-              <a:t>Thank you! That concludes my presentation, and I would be happy to answer any questions y’all may have.</a:t>
-            </a:r>
+              <a:rPr lang="en-US">
+                <a:effectLst/>
+                <a:latin typeface="Helvetica" pitchFamily="2" charset="0"/>
+              </a:rPr>
+              <a:t>The use of these failure stories in internal training (e.g., during onboarding). When and why are failure stories shared to team members? What is learned, and how effective is it?</a:t>
+            </a:r>
+          </a:p>
+          <a:p>
+            <a:endParaRPr lang="en-US">
+              <a:effectLst/>
+              <a:latin typeface="Helvetica" pitchFamily="2" charset="0"/>
+            </a:endParaRPr>
+          </a:p>
+          <a:p>
+            <a:endParaRPr lang="en-US">
+              <a:effectLst/>
+              <a:latin typeface="Helvetica" pitchFamily="2" charset="0"/>
+            </a:endParaRPr>
           </a:p>
         </p:txBody>
       </p:sp>
@@ -5245,7 +5037,7 @@
     </p:spTree>
     <p:extLst>
       <p:ext uri="{BB962C8B-B14F-4D97-AF65-F5344CB8AC3E}">
-        <p14:creationId xmlns:p14="http://schemas.microsoft.com/office/powerpoint/2010/main" val="4141340843"/>
+        <p14:creationId xmlns:p14="http://schemas.microsoft.com/office/powerpoint/2010/main" val="3541495615"/>
       </p:ext>
     </p:extLst>
   </p:cSld>
@@ -5304,6 +5096,104 @@
           <a:bodyPr/>
           <a:lstStyle/>
           <a:p>
+            <a:r>
+              <a:rPr lang="en-US">
+                <a:effectLst/>
+                <a:latin typeface="Helvetica" pitchFamily="2" charset="0"/>
+              </a:rPr>
+              <a:t>We investigated the influence of failure stories on design decisions.</a:t>
+            </a:r>
+          </a:p>
+          <a:p>
+            <a:r>
+              <a:rPr lang="en-US">
+                <a:effectLst/>
+                <a:latin typeface="Helvetica" pitchFamily="2" charset="0"/>
+              </a:rPr>
+              <a:t>We found that failure stories were as effective as design guidelines at guiding developers reason about the criticality of design decisions. </a:t>
+            </a:r>
+          </a:p>
+          <a:p>
+            <a:r>
+              <a:rPr lang="en-US">
+                <a:effectLst/>
+                <a:latin typeface="Helvetica" pitchFamily="2" charset="0"/>
+              </a:rPr>
+              <a:t>We found that design guidelines alone constrained developers’ ability to reason about the safety implications of design decisions.</a:t>
+            </a:r>
+          </a:p>
+          <a:p>
+            <a:r>
+              <a:rPr lang="en-US">
+                <a:effectLst/>
+                <a:latin typeface="Helvetica" pitchFamily="2" charset="0"/>
+              </a:rPr>
+              <a:t>Adding failure stories was conducive.</a:t>
+            </a:r>
+          </a:p>
+          <a:p>
+            <a:r>
+              <a:rPr lang="en-US">
+                <a:effectLst/>
+                <a:latin typeface="Helvetica" pitchFamily="2" charset="0"/>
+              </a:rPr>
+              <a:t>Our observations about failure-aware design decisions motivate new research directions into failure-aware design processes.</a:t>
+            </a:r>
+          </a:p>
+          <a:p>
+            <a:r>
+              <a:rPr lang="en-US">
+                <a:effectLst/>
+                <a:latin typeface="Helvetica" pitchFamily="2" charset="0"/>
+              </a:rPr>
+              <a:t>We hope that this direction improves the safety of IoT systems!</a:t>
+            </a:r>
+          </a:p>
+          <a:p>
+            <a:pPr marL="0" marR="0" lvl="0" indent="0" algn="l" defTabSz="914400" rtl="0" eaLnBrk="1" fontAlgn="auto" latinLnBrk="0" hangingPunct="1">
+              <a:lnSpc>
+                <a:spcPct val="100000"/>
+              </a:lnSpc>
+              <a:spcBef>
+                <a:spcPts val="0"/>
+              </a:spcBef>
+              <a:spcAft>
+                <a:spcPts val="0"/>
+              </a:spcAft>
+              <a:buClrTx/>
+              <a:buSzTx/>
+              <a:buFontTx/>
+              <a:buNone/>
+              <a:tabLst/>
+              <a:defRPr/>
+            </a:pPr>
+            <a:endParaRPr lang="en-US" dirty="0"/>
+          </a:p>
+          <a:p>
+            <a:pPr marL="0" marR="0" lvl="0" indent="0" algn="l" defTabSz="914400" rtl="0" eaLnBrk="1" fontAlgn="auto" latinLnBrk="0" hangingPunct="1">
+              <a:lnSpc>
+                <a:spcPct val="100000"/>
+              </a:lnSpc>
+              <a:spcBef>
+                <a:spcPts val="0"/>
+              </a:spcBef>
+              <a:spcAft>
+                <a:spcPts val="0"/>
+              </a:spcAft>
+              <a:buClrTx/>
+              <a:buSzTx/>
+              <a:buFontTx/>
+              <a:buNone/>
+              <a:tabLst/>
+              <a:defRPr/>
+            </a:pPr>
+            <a:r>
+              <a:rPr lang="en-US">
+                <a:effectLst/>
+                <a:latin typeface="Helvetica" pitchFamily="2" charset="0"/>
+              </a:rPr>
+              <a:t>Our questionnaire and data are available on Zenodo.</a:t>
+            </a:r>
             <a:endParaRPr lang="en-US" sz="1200" dirty="0">
               <a:solidFill>
                 <a:srgbClr val="000000">
@@ -5312,6 +5202,49 @@
                 </a:srgbClr>
               </a:solidFill>
             </a:endParaRPr>
+          </a:p>
+          <a:p>
+            <a:pPr marL="0" marR="0" lvl="0" indent="0" algn="l" defTabSz="914400" rtl="0" eaLnBrk="1" fontAlgn="auto" latinLnBrk="0" hangingPunct="1">
+              <a:lnSpc>
+                <a:spcPct val="100000"/>
+              </a:lnSpc>
+              <a:spcBef>
+                <a:spcPts val="0"/>
+              </a:spcBef>
+              <a:spcAft>
+                <a:spcPts val="0"/>
+              </a:spcAft>
+              <a:buClrTx/>
+              <a:buSzTx/>
+              <a:buFontTx/>
+              <a:buNone/>
+              <a:tabLst/>
+              <a:defRPr/>
+            </a:pPr>
+            <a:endParaRPr lang="en-US" dirty="0"/>
+          </a:p>
+          <a:p>
+            <a:pPr marL="0" marR="0" lvl="0" indent="0" algn="l" defTabSz="914400" rtl="0" eaLnBrk="1" fontAlgn="auto" latinLnBrk="0" hangingPunct="1">
+              <a:lnSpc>
+                <a:spcPct val="100000"/>
+              </a:lnSpc>
+              <a:spcBef>
+                <a:spcPts val="0"/>
+              </a:spcBef>
+              <a:spcAft>
+                <a:spcPts val="0"/>
+              </a:spcAft>
+              <a:buClrTx/>
+              <a:buSzTx/>
+              <a:buFontTx/>
+              <a:buNone/>
+              <a:tabLst/>
+              <a:defRPr/>
+            </a:pPr>
+            <a:r>
+              <a:rPr lang="en-US" dirty="0"/>
+              <a:t>Thank you! That concludes my presentation, and I would be happy to answer any questions you may have.</a:t>
+            </a:r>
           </a:p>
         </p:txBody>
       </p:sp>
@@ -5332,7 +5265,103 @@
           <a:p>
             <a:fld id="{0A2A37BA-026F-9146-8519-D617D382498F}" type="slidenum">
               <a:rPr lang="en-US" smtClean="0"/>
-              <a:t>18</a:t>
+              <a:t>17</a:t>
+            </a:fld>
+            <a:endParaRPr lang="en-US"/>
+          </a:p>
+        </p:txBody>
+      </p:sp>
+    </p:spTree>
+    <p:extLst>
+      <p:ext uri="{BB962C8B-B14F-4D97-AF65-F5344CB8AC3E}">
+        <p14:creationId xmlns:p14="http://schemas.microsoft.com/office/powerpoint/2010/main" val="4141340843"/>
+      </p:ext>
+    </p:extLst>
+  </p:cSld>
+  <p:clrMapOvr>
+    <a:masterClrMapping/>
+  </p:clrMapOvr>
+</p:notes>
+</file>
+
+<file path=ppt/notesSlides/notesSlide18.xml><?xml version="1.0" encoding="utf-8"?>
+<p:notes xmlns:a="http://schemas.openxmlformats.org/drawingml/2006/main" xmlns:r="http://schemas.openxmlformats.org/officeDocument/2006/relationships" xmlns:p="http://schemas.openxmlformats.org/presentationml/2006/main">
+  <p:cSld>
+    <p:spTree>
+      <p:nvGrpSpPr>
+        <p:cNvPr id="1" name=""/>
+        <p:cNvGrpSpPr/>
+        <p:nvPr/>
+      </p:nvGrpSpPr>
+      <p:grpSpPr>
+        <a:xfrm>
+          <a:off x="0" y="0"/>
+          <a:ext cx="0" cy="0"/>
+          <a:chOff x="0" y="0"/>
+          <a:chExt cx="0" cy="0"/>
+        </a:xfrm>
+      </p:grpSpPr>
+      <p:sp>
+        <p:nvSpPr>
+          <p:cNvPr id="2" name="Slide Image Placeholder 1"/>
+          <p:cNvSpPr>
+            <a:spLocks noGrp="1" noRot="1" noChangeAspect="1"/>
+          </p:cNvSpPr>
+          <p:nvPr>
+            <p:ph type="sldImg"/>
+          </p:nvPr>
+        </p:nvSpPr>
+        <p:spPr>
+          <a:xfrm>
+            <a:off x="685800" y="1143000"/>
+            <a:ext cx="5486400" cy="3086100"/>
+          </a:xfrm>
+        </p:spPr>
+      </p:sp>
+      <p:sp>
+        <p:nvSpPr>
+          <p:cNvPr id="3" name="Notes Placeholder 2"/>
+          <p:cNvSpPr>
+            <a:spLocks noGrp="1"/>
+          </p:cNvSpPr>
+          <p:nvPr>
+            <p:ph type="body" idx="1"/>
+          </p:nvPr>
+        </p:nvSpPr>
+        <p:spPr/>
+        <p:txBody>
+          <a:bodyPr/>
+          <a:lstStyle/>
+          <a:p>
+            <a:endParaRPr lang="en-US" sz="1200" dirty="0">
+              <a:solidFill>
+                <a:srgbClr val="000000">
+                  <a:lumMod val="85000"/>
+                  <a:lumOff val="15000"/>
+                </a:srgbClr>
+              </a:solidFill>
+            </a:endParaRPr>
+          </a:p>
+        </p:txBody>
+      </p:sp>
+      <p:sp>
+        <p:nvSpPr>
+          <p:cNvPr id="4" name="Slide Number Placeholder 3"/>
+          <p:cNvSpPr>
+            <a:spLocks noGrp="1"/>
+          </p:cNvSpPr>
+          <p:nvPr>
+            <p:ph type="sldNum" sz="quarter" idx="5"/>
+          </p:nvPr>
+        </p:nvSpPr>
+        <p:spPr/>
+        <p:txBody>
+          <a:bodyPr/>
+          <a:lstStyle/>
+          <a:p>
+            <a:fld id="{0A2A37BA-026F-9146-8519-D617D382498F}" type="slidenum">
+              <a:rPr lang="en-US" smtClean="0"/>
+              <a:t>19</a:t>
             </a:fld>
             <a:endParaRPr lang="en-US"/>
           </a:p>
@@ -14422,6 +14451,166 @@
       </p:grpSpPr>
       <p:sp>
         <p:nvSpPr>
+          <p:cNvPr id="2" name="Content Placeholder 1">
+            <a:extLst>
+              <a:ext uri="{FF2B5EF4-FFF2-40B4-BE49-F238E27FC236}">
+                <a16:creationId xmlns:a16="http://schemas.microsoft.com/office/drawing/2014/main" id="{909F3CB4-4F9C-2BB7-F5FE-6E573BAAB770}"/>
+              </a:ext>
+            </a:extLst>
+          </p:cNvPr>
+          <p:cNvSpPr>
+            <a:spLocks noGrp="1"/>
+          </p:cNvSpPr>
+          <p:nvPr>
+            <p:ph idx="1"/>
+          </p:nvPr>
+        </p:nvSpPr>
+        <p:spPr/>
+        <p:txBody>
+          <a:bodyPr>
+            <a:normAutofit/>
+          </a:bodyPr>
+          <a:lstStyle/>
+          <a:p>
+            <a:pPr>
+              <a:lnSpc>
+                <a:spcPct val="150000"/>
+              </a:lnSpc>
+            </a:pPr>
+            <a:r>
+              <a:rPr lang="en-US" sz="3200" b="1"/>
+              <a:t>Internal</a:t>
+            </a:r>
+            <a:r>
+              <a:rPr lang="en-US" sz="3200"/>
+              <a:t>: Size, limited controls</a:t>
+            </a:r>
+          </a:p>
+          <a:p>
+            <a:pPr>
+              <a:lnSpc>
+                <a:spcPct val="150000"/>
+              </a:lnSpc>
+            </a:pPr>
+            <a:r>
+              <a:rPr lang="en-US" sz="3200" b="1"/>
+              <a:t>External</a:t>
+            </a:r>
+            <a:r>
+              <a:rPr lang="en-US" sz="3200"/>
+              <a:t>: Intentions vs. actions; students vs. professionals</a:t>
+            </a:r>
+          </a:p>
+          <a:p>
+            <a:pPr>
+              <a:lnSpc>
+                <a:spcPct val="150000"/>
+              </a:lnSpc>
+            </a:pPr>
+            <a:r>
+              <a:rPr lang="en-US" sz="3200" b="1"/>
+              <a:t>Construct</a:t>
+            </a:r>
+            <a:r>
+              <a:rPr lang="en-US" sz="3200"/>
+              <a:t>: Design decisions as proxy for design processes</a:t>
+            </a:r>
+            <a:endParaRPr lang="en-US" sz="3200" b="1"/>
+          </a:p>
+        </p:txBody>
+      </p:sp>
+      <p:sp>
+        <p:nvSpPr>
+          <p:cNvPr id="3" name="Title 2">
+            <a:extLst>
+              <a:ext uri="{FF2B5EF4-FFF2-40B4-BE49-F238E27FC236}">
+                <a16:creationId xmlns:a16="http://schemas.microsoft.com/office/drawing/2014/main" id="{F9511D4E-0048-B47B-2492-8AED9300109D}"/>
+              </a:ext>
+            </a:extLst>
+          </p:cNvPr>
+          <p:cNvSpPr>
+            <a:spLocks noGrp="1"/>
+          </p:cNvSpPr>
+          <p:nvPr>
+            <p:ph type="title"/>
+          </p:nvPr>
+        </p:nvSpPr>
+        <p:spPr/>
+        <p:txBody>
+          <a:bodyPr>
+            <a:noAutofit/>
+          </a:bodyPr>
+          <a:lstStyle/>
+          <a:p>
+            <a:r>
+              <a:rPr lang="en-US" sz="4000" b="1"/>
+              <a:t>Limitations</a:t>
+            </a:r>
+          </a:p>
+        </p:txBody>
+      </p:sp>
+      <p:sp>
+        <p:nvSpPr>
+          <p:cNvPr id="4" name="Slide Number Placeholder 3">
+            <a:extLst>
+              <a:ext uri="{FF2B5EF4-FFF2-40B4-BE49-F238E27FC236}">
+                <a16:creationId xmlns:a16="http://schemas.microsoft.com/office/drawing/2014/main" id="{14B5EE2B-49B6-BB11-D539-5406ACAC8E4F}"/>
+              </a:ext>
+            </a:extLst>
+          </p:cNvPr>
+          <p:cNvSpPr>
+            <a:spLocks noGrp="1"/>
+          </p:cNvSpPr>
+          <p:nvPr>
+            <p:ph type="sldNum" sz="quarter" idx="12"/>
+          </p:nvPr>
+        </p:nvSpPr>
+        <p:spPr/>
+        <p:txBody>
+          <a:bodyPr/>
+          <a:lstStyle/>
+          <a:p>
+            <a:fld id="{8A7A6979-0714-4377-B894-6BE4C2D6E202}" type="slidenum">
+              <a:rPr lang="en-US" smtClean="0"/>
+              <a:pPr/>
+              <a:t>10</a:t>
+            </a:fld>
+            <a:endParaRPr lang="en-US" dirty="0"/>
+          </a:p>
+        </p:txBody>
+      </p:sp>
+    </p:spTree>
+    <p:extLst>
+      <p:ext uri="{BB962C8B-B14F-4D97-AF65-F5344CB8AC3E}">
+        <p14:creationId xmlns:p14="http://schemas.microsoft.com/office/powerpoint/2010/main" val="3322017896"/>
+      </p:ext>
+    </p:extLst>
+  </p:cSld>
+  <p:clrMapOvr>
+    <a:masterClrMapping/>
+  </p:clrMapOvr>
+</p:sld>
+</file>
+
+<file path=ppt/slides/slide11.xml><?xml version="1.0" encoding="utf-8"?>
+<p:sld xmlns:a="http://schemas.openxmlformats.org/drawingml/2006/main" xmlns:r="http://schemas.openxmlformats.org/officeDocument/2006/relationships" xmlns:p="http://schemas.openxmlformats.org/presentationml/2006/main">
+  <p:cSld>
+    <p:spTree>
+      <p:nvGrpSpPr>
+        <p:cNvPr id="1" name=""/>
+        <p:cNvGrpSpPr/>
+        <p:nvPr/>
+      </p:nvGrpSpPr>
+      <p:grpSpPr>
+        <a:xfrm>
+          <a:off x="0" y="0"/>
+          <a:ext cx="0" cy="0"/>
+          <a:chOff x="0" y="0"/>
+          <a:chExt cx="0" cy="0"/>
+        </a:xfrm>
+      </p:grpSpPr>
+      <p:sp>
+        <p:nvSpPr>
           <p:cNvPr id="3" name="Title 2">
             <a:extLst>
               <a:ext uri="{FF2B5EF4-FFF2-40B4-BE49-F238E27FC236}">
@@ -14549,7 +14738,7 @@
             <a:fld id="{8A7A6979-0714-4377-B894-6BE4C2D6E202}" type="slidenum">
               <a:rPr lang="en-US" smtClean="0"/>
               <a:pPr/>
-              <a:t>10</a:t>
+              <a:t>11</a:t>
             </a:fld>
             <a:endParaRPr lang="en-US" dirty="0"/>
           </a:p>
@@ -14598,7 +14787,7 @@
 </p:sld>
 </file>
 
-<file path=ppt/slides/slide11.xml><?xml version="1.0" encoding="utf-8"?>
+<file path=ppt/slides/slide12.xml><?xml version="1.0" encoding="utf-8"?>
 <p:sld xmlns:a="http://schemas.openxmlformats.org/drawingml/2006/main" xmlns:r="http://schemas.openxmlformats.org/officeDocument/2006/relationships" xmlns:p="http://schemas.openxmlformats.org/presentationml/2006/main">
   <p:cSld>
     <p:spTree>
@@ -14630,7 +14819,7 @@
           <p:nvPr/>
         </p:nvPicPr>
         <p:blipFill rotWithShape="1">
-          <a:blip r:embed="rId4"/>
+          <a:blip r:embed="rId3"/>
           <a:srcRect t="35572" b="1"/>
           <a:stretch/>
         </p:blipFill>
@@ -14773,7 +14962,7 @@
             <a:fld id="{8A7A6979-0714-4377-B894-6BE4C2D6E202}" type="slidenum">
               <a:rPr lang="en-US" smtClean="0"/>
               <a:pPr/>
-              <a:t>11</a:t>
+              <a:t>12</a:t>
             </a:fld>
             <a:endParaRPr lang="en-US" dirty="0"/>
           </a:p>
@@ -14794,7 +14983,7 @@
           <p:nvPr/>
         </p:nvPicPr>
         <p:blipFill>
-          <a:blip r:embed="rId5"/>
+          <a:blip r:embed="rId4"/>
           <a:stretch>
             <a:fillRect/>
           </a:stretch>
@@ -15775,15 +15964,10 @@
       <p:bldP spid="14" grpId="0" animBg="1"/>
     </p:bldLst>
   </p:timing>
-  <p:extLst>
-    <p:ext uri="{6950BFC3-D8DA-4A85-94F7-54DA5524770B}">
-      <p188:commentRel xmlns:p188="http://schemas.microsoft.com/office/powerpoint/2018/8/main" r:id="rId3"/>
-    </p:ext>
-  </p:extLst>
 </p:sld>
 </file>
 
-<file path=ppt/slides/slide12.xml><?xml version="1.0" encoding="utf-8"?>
+<file path=ppt/slides/slide13.xml><?xml version="1.0" encoding="utf-8"?>
 <p:sld xmlns:a="http://schemas.openxmlformats.org/drawingml/2006/main" xmlns:r="http://schemas.openxmlformats.org/officeDocument/2006/relationships" xmlns:p="http://schemas.openxmlformats.org/presentationml/2006/main">
   <p:cSld>
     <p:spTree>
@@ -15854,7 +16038,7 @@
             <a:fld id="{8A7A6979-0714-4377-B894-6BE4C2D6E202}" type="slidenum">
               <a:rPr lang="en-US" smtClean="0"/>
               <a:pPr/>
-              <a:t>12</a:t>
+              <a:t>13</a:t>
             </a:fld>
             <a:endParaRPr lang="en-US" dirty="0"/>
           </a:p>
@@ -17660,15 +17844,10 @@
       <p:bldP spid="15" grpId="0"/>
     </p:bldLst>
   </p:timing>
-  <p:extLst>
-    <p:ext uri="{6950BFC3-D8DA-4A85-94F7-54DA5524770B}">
-      <p188:commentRel xmlns:p188="http://schemas.microsoft.com/office/powerpoint/2018/8/main" r:id="rId3"/>
-    </p:ext>
-  </p:extLst>
 </p:sld>
 </file>
 
-<file path=ppt/slides/slide13.xml><?xml version="1.0" encoding="utf-8"?>
+<file path=ppt/slides/slide14.xml><?xml version="1.0" encoding="utf-8"?>
 <p:sld xmlns:a="http://schemas.openxmlformats.org/drawingml/2006/main" xmlns:r="http://schemas.openxmlformats.org/officeDocument/2006/relationships" xmlns:p="http://schemas.openxmlformats.org/presentationml/2006/main">
   <p:cSld>
     <p:spTree>
@@ -17739,7 +17918,7 @@
             <a:fld id="{8A7A6979-0714-4377-B894-6BE4C2D6E202}" type="slidenum">
               <a:rPr lang="en-US" smtClean="0"/>
               <a:pPr/>
-              <a:t>13</a:t>
+              <a:t>14</a:t>
             </a:fld>
             <a:endParaRPr lang="en-US" dirty="0"/>
           </a:p>
@@ -19482,15 +19661,10 @@
       <p:bldP spid="15" grpId="0"/>
     </p:bldLst>
   </p:timing>
-  <p:extLst>
-    <p:ext uri="{6950BFC3-D8DA-4A85-94F7-54DA5524770B}">
-      <p188:commentRel xmlns:p188="http://schemas.microsoft.com/office/powerpoint/2018/8/main" r:id="rId3"/>
-    </p:ext>
-  </p:extLst>
 </p:sld>
 </file>
 
-<file path=ppt/slides/slide14.xml><?xml version="1.0" encoding="utf-8"?>
+<file path=ppt/slides/slide15.xml><?xml version="1.0" encoding="utf-8"?>
 <p:sld xmlns:a="http://schemas.openxmlformats.org/drawingml/2006/main" xmlns:r="http://schemas.openxmlformats.org/officeDocument/2006/relationships" xmlns:p="http://schemas.openxmlformats.org/presentationml/2006/main">
   <p:cSld>
     <p:spTree>
@@ -19600,7 +19774,7 @@
             <a:fld id="{8A7A6979-0714-4377-B894-6BE4C2D6E202}" type="slidenum">
               <a:rPr lang="en-US" smtClean="0"/>
               <a:pPr/>
-              <a:t>14</a:t>
+              <a:t>15</a:t>
             </a:fld>
             <a:endParaRPr lang="en-US" dirty="0"/>
           </a:p>
@@ -20089,15 +20263,10 @@
       <p:bldP spid="15" grpId="0"/>
     </p:bldLst>
   </p:timing>
-  <p:extLst>
-    <p:ext uri="{6950BFC3-D8DA-4A85-94F7-54DA5524770B}">
-      <p188:commentRel xmlns:p188="http://schemas.microsoft.com/office/powerpoint/2018/8/main" r:id="rId3"/>
-    </p:ext>
-  </p:extLst>
 </p:sld>
 </file>
 
-<file path=ppt/slides/slide15.xml><?xml version="1.0" encoding="utf-8"?>
+<file path=ppt/slides/slide16.xml><?xml version="1.0" encoding="utf-8"?>
 <p:sld xmlns:a="http://schemas.openxmlformats.org/drawingml/2006/main" xmlns:r="http://schemas.openxmlformats.org/officeDocument/2006/relationships" xmlns:p="http://schemas.openxmlformats.org/presentationml/2006/main">
   <p:cSld>
     <p:spTree>
@@ -20371,7 +20540,7 @@
             <a:fld id="{8A7A6979-0714-4377-B894-6BE4C2D6E202}" type="slidenum">
               <a:rPr lang="en-US" smtClean="0"/>
               <a:pPr/>
-              <a:t>15</a:t>
+              <a:t>16</a:t>
             </a:fld>
             <a:endParaRPr lang="en-US" dirty="0"/>
           </a:p>
@@ -20830,7 +20999,7 @@
 </p:sld>
 </file>
 
-<file path=ppt/slides/slide16.xml><?xml version="1.0" encoding="utf-8"?>
+<file path=ppt/slides/slide17.xml><?xml version="1.0" encoding="utf-8"?>
 <p:sld xmlns:a="http://schemas.openxmlformats.org/drawingml/2006/main" xmlns:r="http://schemas.openxmlformats.org/officeDocument/2006/relationships" xmlns:p="http://schemas.openxmlformats.org/presentationml/2006/main">
   <p:cSld>
     <p:spTree>
@@ -20850,7 +21019,7 @@
       <p:pic>
         <p:nvPicPr>
           <p:cNvPr id="12" name="Graphic 11">
-            <a:hlinkClick r:id="rId4"/>
+            <a:hlinkClick r:id="rId3"/>
             <a:extLst>
               <a:ext uri="{FF2B5EF4-FFF2-40B4-BE49-F238E27FC236}">
                 <a16:creationId xmlns:a16="http://schemas.microsoft.com/office/drawing/2014/main" id="{8838E5A9-EE10-2168-BC51-79A775193976}"/>
@@ -20863,10 +21032,10 @@
           <p:nvPr/>
         </p:nvPicPr>
         <p:blipFill>
-          <a:blip r:embed="rId5">
+          <a:blip r:embed="rId4">
             <a:extLst>
               <a:ext uri="{96DAC541-7B7A-43D3-8B79-37D633B846F1}">
-                <asvg:svgBlip xmlns:asvg="http://schemas.microsoft.com/office/drawing/2016/SVG/main" r:embed="rId6"/>
+                <asvg:svgBlip xmlns:asvg="http://schemas.microsoft.com/office/drawing/2016/SVG/main" r:embed="rId5"/>
               </a:ext>
             </a:extLst>
           </a:blip>
@@ -20916,57 +21085,8 @@
                   </a:srgbClr>
                 </a:solidFill>
               </a:rPr>
-              <a:t>Investigated the influence of failure stories on design decisions</a:t>
-            </a:r>
-          </a:p>
-          <a:p>
-            <a:pPr lvl="1"/>
-            <a:r>
-              <a:rPr lang="en-US" sz="2800" dirty="0">
-                <a:solidFill>
-                  <a:srgbClr val="000000">
-                    <a:lumMod val="85000"/>
-                    <a:lumOff val="15000"/>
-                  </a:srgbClr>
-                </a:solidFill>
-              </a:rPr>
-              <a:t>Failure stories were conducive for </a:t>
-            </a:r>
-            <a:r>
-              <a:rPr lang="en-US" sz="2800" u="sng" dirty="0">
-                <a:solidFill>
-                  <a:srgbClr val="000000">
-                    <a:lumMod val="85000"/>
-                    <a:lumOff val="15000"/>
-                  </a:srgbClr>
-                </a:solidFill>
-              </a:rPr>
-              <a:t>safety</a:t>
-            </a:r>
-            <a:r>
-              <a:rPr lang="en-US" sz="2800" dirty="0">
-                <a:solidFill>
-                  <a:srgbClr val="000000">
-                    <a:lumMod val="85000"/>
-                    <a:lumOff val="15000"/>
-                  </a:srgbClr>
-                </a:solidFill>
-              </a:rPr>
-              <a:t> as a design rationale</a:t>
-            </a:r>
-            <a:endParaRPr lang="en-US" sz="3000" dirty="0">
-              <a:solidFill>
-                <a:srgbClr val="000000">
-                  <a:lumMod val="85000"/>
-                  <a:lumOff val="15000"/>
-                </a:srgbClr>
-              </a:solidFill>
-            </a:endParaRPr>
-          </a:p>
-          <a:p>
-            <a:pPr marL="228600" lvl="1" indent="0">
-              <a:buNone/>
-            </a:pPr>
+              <a:t>Failure stories influence design – rationales, not decisions?</a:t>
+            </a:r>
             <a:endParaRPr lang="en-US" sz="3000" dirty="0">
               <a:solidFill>
                 <a:srgbClr val="000000">
@@ -21047,7 +21167,7 @@
       <p:pic>
         <p:nvPicPr>
           <p:cNvPr id="5" name="Picture 4">
-            <a:hlinkClick r:id="rId4"/>
+            <a:hlinkClick r:id="rId3"/>
             <a:extLst>
               <a:ext uri="{FF2B5EF4-FFF2-40B4-BE49-F238E27FC236}">
                 <a16:creationId xmlns:a16="http://schemas.microsoft.com/office/drawing/2014/main" id="{DD3803C2-ED24-4707-B31D-1108AB9B13BE}"/>
@@ -21060,7 +21180,7 @@
           <p:nvPr/>
         </p:nvPicPr>
         <p:blipFill>
-          <a:blip r:embed="rId7" cstate="screen">
+          <a:blip r:embed="rId6" cstate="screen">
             <a:extLst>
               <a:ext uri="{28A0092B-C50C-407E-A947-70E740481C1C}">
                 <a14:useLocalDpi xmlns:a14="http://schemas.microsoft.com/office/drawing/2010/main"/>
@@ -21096,7 +21216,7 @@
           <p:nvPr/>
         </p:nvPicPr>
         <p:blipFill rotWithShape="1">
-          <a:blip r:embed="rId8"/>
+          <a:blip r:embed="rId7"/>
           <a:srcRect l="-1" t="1" r="44430" b="-2140"/>
           <a:stretch/>
         </p:blipFill>
@@ -21243,7 +21363,7 @@
                                         <p:tgtEl>
                                           <p:spTgt spid="2">
                                             <p:txEl>
-                                              <p:pRg st="4" end="4"/>
+                                              <p:pRg st="2" end="2"/>
                                             </p:txEl>
                                           </p:spTgt>
                                         </p:tgtEl>
@@ -21261,7 +21381,7 @@
                                         <p:tgtEl>
                                           <p:spTgt spid="2">
                                             <p:txEl>
-                                              <p:pRg st="4" end="4"/>
+                                              <p:pRg st="2" end="2"/>
                                             </p:txEl>
                                           </p:spTgt>
                                         </p:tgtEl>
@@ -21286,7 +21406,7 @@
                                         <p:tgtEl>
                                           <p:spTgt spid="2">
                                             <p:txEl>
-                                              <p:pRg st="5" end="5"/>
+                                              <p:pRg st="3" end="3"/>
                                             </p:txEl>
                                           </p:spTgt>
                                         </p:tgtEl>
@@ -21304,7 +21424,7 @@
                                         <p:tgtEl>
                                           <p:spTgt spid="2">
                                             <p:txEl>
-                                              <p:pRg st="5" end="5"/>
+                                              <p:pRg st="3" end="3"/>
                                             </p:txEl>
                                           </p:spTgt>
                                         </p:tgtEl>
@@ -21341,15 +21461,10 @@
       </p:par>
     </p:tnLst>
   </p:timing>
-  <p:extLst>
-    <p:ext uri="{6950BFC3-D8DA-4A85-94F7-54DA5524770B}">
-      <p188:commentRel xmlns:p188="http://schemas.microsoft.com/office/powerpoint/2018/8/main" r:id="rId3"/>
-    </p:ext>
-  </p:extLst>
 </p:sld>
 </file>
 
-<file path=ppt/slides/slide17.xml><?xml version="1.0" encoding="utf-8"?>
+<file path=ppt/slides/slide18.xml><?xml version="1.0" encoding="utf-8"?>
 <p:sld xmlns:a="http://schemas.openxmlformats.org/drawingml/2006/main" xmlns:r="http://schemas.openxmlformats.org/officeDocument/2006/relationships" xmlns:p="http://schemas.openxmlformats.org/presentationml/2006/main">
   <p:cSld>
     <p:spTree>
@@ -21407,7 +21522,7 @@
 </p:sld>
 </file>
 
-<file path=ppt/slides/slide18.xml><?xml version="1.0" encoding="utf-8"?>
+<file path=ppt/slides/slide19.xml><?xml version="1.0" encoding="utf-8"?>
 <p:sld xmlns:a="http://schemas.openxmlformats.org/drawingml/2006/main" xmlns:r="http://schemas.openxmlformats.org/officeDocument/2006/relationships" xmlns:p="http://schemas.openxmlformats.org/presentationml/2006/main">
   <p:cSld>
     <p:spTree>
@@ -21581,7 +21696,7 @@
             <a:fld id="{8A7A6979-0714-4377-B894-6BE4C2D6E202}" type="slidenum">
               <a:rPr lang="en-US" smtClean="0"/>
               <a:pPr/>
-              <a:t>18</a:t>
+              <a:t>19</a:t>
             </a:fld>
             <a:endParaRPr lang="en-US" dirty="0"/>
           </a:p>

--- a/files/publications/AnandayuvarajThulluriFigueroaShandilyaDavis-FailureKnowledgeAndDesignDecisions-SERP4IoT2023-slides.pptx
+++ b/files/publications/AnandayuvarajThulluriFigueroaShandilyaDavis-FailureKnowledgeAndDesignDecisions-SERP4IoT2023-slides.pptx
@@ -5,10 +5,10 @@
     <p:sldMasterId id="2147483708" r:id="rId1"/>
   </p:sldMasterIdLst>
   <p:notesMasterIdLst>
-    <p:notesMasterId r:id="rId21"/>
+    <p:notesMasterId r:id="rId19"/>
   </p:notesMasterIdLst>
   <p:handoutMasterIdLst>
-    <p:handoutMasterId r:id="rId22"/>
+    <p:handoutMasterId r:id="rId20"/>
   </p:handoutMasterIdLst>
   <p:sldIdLst>
     <p:sldId id="263" r:id="rId2"/>
@@ -28,8 +28,6 @@
     <p:sldId id="1649" r:id="rId16"/>
     <p:sldId id="1629" r:id="rId17"/>
     <p:sldId id="1611" r:id="rId18"/>
-    <p:sldId id="267" r:id="rId19"/>
-    <p:sldId id="1614" r:id="rId20"/>
   </p:sldIdLst>
   <p:sldSz cx="12192000" cy="6858000"/>
   <p:notesSz cx="6858000" cy="9144000"/>
@@ -173,10 +171,7 @@
           </p14:sldIdLst>
         </p14:section>
         <p14:section name="Bonus slides" id="{4C9E168F-9DDE-F94B-A1F3-6DB24D348ED1}">
-          <p14:sldIdLst>
-            <p14:sldId id="267"/>
-            <p14:sldId id="1614"/>
-          </p14:sldIdLst>
+          <p14:sldIdLst/>
         </p14:section>
       </p14:sectionLst>
     </p:ext>
@@ -3191,7 +3186,7 @@
           <a:p>
             <a:fld id="{92E6046B-5CC6-4FE6-A7EA-DCF0A7DC4AB5}" type="datetimeFigureOut">
               <a:rPr lang="en-US" smtClean="0"/>
-              <a:t>5/20/23</a:t>
+              <a:t>5/21/23</a:t>
             </a:fld>
             <a:endParaRPr lang="en-US"/>
           </a:p>
@@ -3367,7 +3362,7 @@
           </a:lstStyle>
           <a:p>
             <a:fld id="{FAC61D50-A877-3647-9E52-6068133825CF}" type="datetimeFigureOut">
-              <a:t>5/20/23</a:t>
+              <a:t>5/21/23</a:t>
             </a:fld>
             <a:endParaRPr lang="en-US"/>
           </a:p>
@@ -5275,102 +5270,6 @@
     <p:extLst>
       <p:ext uri="{BB962C8B-B14F-4D97-AF65-F5344CB8AC3E}">
         <p14:creationId xmlns:p14="http://schemas.microsoft.com/office/powerpoint/2010/main" val="4141340843"/>
-      </p:ext>
-    </p:extLst>
-  </p:cSld>
-  <p:clrMapOvr>
-    <a:masterClrMapping/>
-  </p:clrMapOvr>
-</p:notes>
-</file>
-
-<file path=ppt/notesSlides/notesSlide18.xml><?xml version="1.0" encoding="utf-8"?>
-<p:notes xmlns:a="http://schemas.openxmlformats.org/drawingml/2006/main" xmlns:r="http://schemas.openxmlformats.org/officeDocument/2006/relationships" xmlns:p="http://schemas.openxmlformats.org/presentationml/2006/main">
-  <p:cSld>
-    <p:spTree>
-      <p:nvGrpSpPr>
-        <p:cNvPr id="1" name=""/>
-        <p:cNvGrpSpPr/>
-        <p:nvPr/>
-      </p:nvGrpSpPr>
-      <p:grpSpPr>
-        <a:xfrm>
-          <a:off x="0" y="0"/>
-          <a:ext cx="0" cy="0"/>
-          <a:chOff x="0" y="0"/>
-          <a:chExt cx="0" cy="0"/>
-        </a:xfrm>
-      </p:grpSpPr>
-      <p:sp>
-        <p:nvSpPr>
-          <p:cNvPr id="2" name="Slide Image Placeholder 1"/>
-          <p:cNvSpPr>
-            <a:spLocks noGrp="1" noRot="1" noChangeAspect="1"/>
-          </p:cNvSpPr>
-          <p:nvPr>
-            <p:ph type="sldImg"/>
-          </p:nvPr>
-        </p:nvSpPr>
-        <p:spPr>
-          <a:xfrm>
-            <a:off x="685800" y="1143000"/>
-            <a:ext cx="5486400" cy="3086100"/>
-          </a:xfrm>
-        </p:spPr>
-      </p:sp>
-      <p:sp>
-        <p:nvSpPr>
-          <p:cNvPr id="3" name="Notes Placeholder 2"/>
-          <p:cNvSpPr>
-            <a:spLocks noGrp="1"/>
-          </p:cNvSpPr>
-          <p:nvPr>
-            <p:ph type="body" idx="1"/>
-          </p:nvPr>
-        </p:nvSpPr>
-        <p:spPr/>
-        <p:txBody>
-          <a:bodyPr/>
-          <a:lstStyle/>
-          <a:p>
-            <a:endParaRPr lang="en-US" sz="1200" dirty="0">
-              <a:solidFill>
-                <a:srgbClr val="000000">
-                  <a:lumMod val="85000"/>
-                  <a:lumOff val="15000"/>
-                </a:srgbClr>
-              </a:solidFill>
-            </a:endParaRPr>
-          </a:p>
-        </p:txBody>
-      </p:sp>
-      <p:sp>
-        <p:nvSpPr>
-          <p:cNvPr id="4" name="Slide Number Placeholder 3"/>
-          <p:cNvSpPr>
-            <a:spLocks noGrp="1"/>
-          </p:cNvSpPr>
-          <p:nvPr>
-            <p:ph type="sldNum" sz="quarter" idx="5"/>
-          </p:nvPr>
-        </p:nvSpPr>
-        <p:spPr/>
-        <p:txBody>
-          <a:bodyPr/>
-          <a:lstStyle/>
-          <a:p>
-            <a:fld id="{0A2A37BA-026F-9146-8519-D617D382498F}" type="slidenum">
-              <a:rPr lang="en-US" smtClean="0"/>
-              <a:t>19</a:t>
-            </a:fld>
-            <a:endParaRPr lang="en-US"/>
-          </a:p>
-        </p:txBody>
-      </p:sp>
-    </p:spTree>
-    <p:extLst>
-      <p:ext uri="{BB962C8B-B14F-4D97-AF65-F5344CB8AC3E}">
-        <p14:creationId xmlns:p14="http://schemas.microsoft.com/office/powerpoint/2010/main" val="1397892306"/>
       </p:ext>
     </p:extLst>
   </p:cSld>
@@ -21461,353 +21360,6 @@
       </p:par>
     </p:tnLst>
   </p:timing>
-</p:sld>
-</file>
-
-<file path=ppt/slides/slide18.xml><?xml version="1.0" encoding="utf-8"?>
-<p:sld xmlns:a="http://schemas.openxmlformats.org/drawingml/2006/main" xmlns:r="http://schemas.openxmlformats.org/officeDocument/2006/relationships" xmlns:p="http://schemas.openxmlformats.org/presentationml/2006/main">
-  <p:cSld>
-    <p:spTree>
-      <p:nvGrpSpPr>
-        <p:cNvPr id="1" name=""/>
-        <p:cNvGrpSpPr/>
-        <p:nvPr/>
-      </p:nvGrpSpPr>
-      <p:grpSpPr>
-        <a:xfrm>
-          <a:off x="0" y="0"/>
-          <a:ext cx="0" cy="0"/>
-          <a:chOff x="0" y="0"/>
-          <a:chExt cx="0" cy="0"/>
-        </a:xfrm>
-      </p:grpSpPr>
-      <p:sp>
-        <p:nvSpPr>
-          <p:cNvPr id="2" name="Title 1">
-            <a:extLst>
-              <a:ext uri="{FF2B5EF4-FFF2-40B4-BE49-F238E27FC236}">
-                <a16:creationId xmlns:a16="http://schemas.microsoft.com/office/drawing/2014/main" id="{9340A7A6-33A9-2143-A918-68ED3704278A}"/>
-              </a:ext>
-            </a:extLst>
-          </p:cNvPr>
-          <p:cNvSpPr>
-            <a:spLocks noGrp="1"/>
-          </p:cNvSpPr>
-          <p:nvPr>
-            <p:ph type="title"/>
-          </p:nvPr>
-        </p:nvSpPr>
-        <p:spPr/>
-        <p:txBody>
-          <a:bodyPr/>
-          <a:lstStyle/>
-          <a:p>
-            <a:r>
-              <a:rPr lang="en-US"/>
-              <a:t>Bonus slides</a:t>
-            </a:r>
-          </a:p>
-        </p:txBody>
-      </p:sp>
-    </p:spTree>
-    <p:extLst>
-      <p:ext uri="{BB962C8B-B14F-4D97-AF65-F5344CB8AC3E}">
-        <p14:creationId xmlns:p14="http://schemas.microsoft.com/office/powerpoint/2010/main" val="1855869391"/>
-      </p:ext>
-    </p:extLst>
-  </p:cSld>
-  <p:clrMapOvr>
-    <a:masterClrMapping/>
-  </p:clrMapOvr>
-</p:sld>
-</file>
-
-<file path=ppt/slides/slide19.xml><?xml version="1.0" encoding="utf-8"?>
-<p:sld xmlns:a="http://schemas.openxmlformats.org/drawingml/2006/main" xmlns:r="http://schemas.openxmlformats.org/officeDocument/2006/relationships" xmlns:p="http://schemas.openxmlformats.org/presentationml/2006/main">
-  <p:cSld>
-    <p:spTree>
-      <p:nvGrpSpPr>
-        <p:cNvPr id="1" name=""/>
-        <p:cNvGrpSpPr/>
-        <p:nvPr/>
-      </p:nvGrpSpPr>
-      <p:grpSpPr>
-        <a:xfrm>
-          <a:off x="0" y="0"/>
-          <a:ext cx="0" cy="0"/>
-          <a:chOff x="0" y="0"/>
-          <a:chExt cx="0" cy="0"/>
-        </a:xfrm>
-      </p:grpSpPr>
-      <p:sp>
-        <p:nvSpPr>
-          <p:cNvPr id="2" name="Content Placeholder 1">
-            <a:extLst>
-              <a:ext uri="{FF2B5EF4-FFF2-40B4-BE49-F238E27FC236}">
-                <a16:creationId xmlns:a16="http://schemas.microsoft.com/office/drawing/2014/main" id="{01EE282B-6DB8-4811-ABDE-0AD318D05FBD}"/>
-              </a:ext>
-            </a:extLst>
-          </p:cNvPr>
-          <p:cNvSpPr>
-            <a:spLocks noGrp="1"/>
-          </p:cNvSpPr>
-          <p:nvPr>
-            <p:ph idx="1"/>
-          </p:nvPr>
-        </p:nvSpPr>
-        <p:spPr/>
-        <p:txBody>
-          <a:bodyPr>
-            <a:normAutofit/>
-          </a:bodyPr>
-          <a:lstStyle/>
-          <a:p>
-            <a:pPr marL="0" indent="0">
-              <a:buNone/>
-            </a:pPr>
-            <a:r>
-              <a:rPr lang="en-US" sz="3600" dirty="0">
-                <a:solidFill>
-                  <a:srgbClr val="000000">
-                    <a:lumMod val="85000"/>
-                    <a:lumOff val="15000"/>
-                  </a:srgbClr>
-                </a:solidFill>
-              </a:rPr>
-              <a:t>The following artifacts:</a:t>
-            </a:r>
-          </a:p>
-          <a:p>
-            <a:r>
-              <a:rPr lang="en-US" sz="3600" dirty="0">
-                <a:solidFill>
-                  <a:srgbClr val="000000">
-                    <a:lumMod val="85000"/>
-                    <a:lumOff val="15000"/>
-                  </a:srgbClr>
-                </a:solidFill>
-              </a:rPr>
-              <a:t>Questionnaire</a:t>
-            </a:r>
-          </a:p>
-          <a:p>
-            <a:r>
-              <a:rPr lang="en-US" sz="3600" dirty="0">
-                <a:solidFill>
-                  <a:srgbClr val="000000">
-                    <a:lumMod val="85000"/>
-                    <a:lumOff val="15000"/>
-                  </a:srgbClr>
-                </a:solidFill>
-              </a:rPr>
-              <a:t>Raw data</a:t>
-            </a:r>
-          </a:p>
-          <a:p>
-            <a:r>
-              <a:rPr lang="en-US" sz="3600" dirty="0">
-                <a:solidFill>
-                  <a:srgbClr val="000000">
-                    <a:lumMod val="85000"/>
-                    <a:lumOff val="15000"/>
-                  </a:srgbClr>
-                </a:solidFill>
-              </a:rPr>
-              <a:t>Coding</a:t>
-            </a:r>
-          </a:p>
-          <a:p>
-            <a:pPr marL="0" indent="0">
-              <a:buNone/>
-            </a:pPr>
-            <a:r>
-              <a:rPr lang="en-US" sz="3600" dirty="0">
-                <a:solidFill>
-                  <a:srgbClr val="000000">
-                    <a:lumMod val="85000"/>
-                    <a:lumOff val="15000"/>
-                  </a:srgbClr>
-                </a:solidFill>
-              </a:rPr>
-              <a:t>Are available at:</a:t>
-            </a:r>
-            <a:endParaRPr lang="en-US" sz="3200" dirty="0">
-              <a:solidFill>
-                <a:srgbClr val="000000">
-                  <a:lumMod val="85000"/>
-                  <a:lumOff val="15000"/>
-                </a:srgbClr>
-              </a:solidFill>
-            </a:endParaRPr>
-          </a:p>
-        </p:txBody>
-      </p:sp>
-      <p:sp>
-        <p:nvSpPr>
-          <p:cNvPr id="3" name="Title 2">
-            <a:extLst>
-              <a:ext uri="{FF2B5EF4-FFF2-40B4-BE49-F238E27FC236}">
-                <a16:creationId xmlns:a16="http://schemas.microsoft.com/office/drawing/2014/main" id="{F0FE0E79-3C83-4B98-8C39-ED8503CD699A}"/>
-              </a:ext>
-            </a:extLst>
-          </p:cNvPr>
-          <p:cNvSpPr>
-            <a:spLocks noGrp="1"/>
-          </p:cNvSpPr>
-          <p:nvPr>
-            <p:ph type="title"/>
-          </p:nvPr>
-        </p:nvSpPr>
-        <p:spPr/>
-        <p:txBody>
-          <a:bodyPr>
-            <a:noAutofit/>
-          </a:bodyPr>
-          <a:lstStyle/>
-          <a:p>
-            <a:r>
-              <a:rPr lang="en-US" sz="4000" b="1" dirty="0"/>
-              <a:t>Artifacts</a:t>
-            </a:r>
-          </a:p>
-        </p:txBody>
-      </p:sp>
-      <p:sp>
-        <p:nvSpPr>
-          <p:cNvPr id="4" name="Slide Number Placeholder 3">
-            <a:extLst>
-              <a:ext uri="{FF2B5EF4-FFF2-40B4-BE49-F238E27FC236}">
-                <a16:creationId xmlns:a16="http://schemas.microsoft.com/office/drawing/2014/main" id="{3A050BBA-6D2E-4E3C-B27D-74552D1A11C7}"/>
-              </a:ext>
-            </a:extLst>
-          </p:cNvPr>
-          <p:cNvSpPr>
-            <a:spLocks noGrp="1"/>
-          </p:cNvSpPr>
-          <p:nvPr>
-            <p:ph type="sldNum" sz="quarter" idx="12"/>
-          </p:nvPr>
-        </p:nvSpPr>
-        <p:spPr/>
-        <p:txBody>
-          <a:bodyPr/>
-          <a:lstStyle/>
-          <a:p>
-            <a:fld id="{8A7A6979-0714-4377-B894-6BE4C2D6E202}" type="slidenum">
-              <a:rPr lang="en-US" smtClean="0"/>
-              <a:pPr/>
-              <a:t>19</a:t>
-            </a:fld>
-            <a:endParaRPr lang="en-US" dirty="0"/>
-          </a:p>
-        </p:txBody>
-      </p:sp>
-      <p:grpSp>
-        <p:nvGrpSpPr>
-          <p:cNvPr id="10" name="Group 9">
-            <a:extLst>
-              <a:ext uri="{FF2B5EF4-FFF2-40B4-BE49-F238E27FC236}">
-                <a16:creationId xmlns:a16="http://schemas.microsoft.com/office/drawing/2014/main" id="{B2F4FCE8-2E68-42BE-A40F-E9D24CD76D6A}"/>
-              </a:ext>
-            </a:extLst>
-          </p:cNvPr>
-          <p:cNvGrpSpPr>
-            <a:grpSpLocks noChangeAspect="1"/>
-          </p:cNvGrpSpPr>
-          <p:nvPr/>
-        </p:nvGrpSpPr>
-        <p:grpSpPr>
-          <a:xfrm>
-            <a:off x="3588796" y="4705351"/>
-            <a:ext cx="4982475" cy="1595245"/>
-            <a:chOff x="309085" y="5773993"/>
-            <a:chExt cx="2874406" cy="920302"/>
-          </a:xfrm>
-        </p:grpSpPr>
-        <p:pic>
-          <p:nvPicPr>
-            <p:cNvPr id="8" name="Graphic 7">
-              <a:hlinkClick r:id="rId3"/>
-              <a:extLst>
-                <a:ext uri="{FF2B5EF4-FFF2-40B4-BE49-F238E27FC236}">
-                  <a16:creationId xmlns:a16="http://schemas.microsoft.com/office/drawing/2014/main" id="{0AE5C230-7232-41CB-A556-F7E8BC05662F}"/>
-                </a:ext>
-              </a:extLst>
-            </p:cNvPr>
-            <p:cNvPicPr>
-              <a:picLocks noChangeAspect="1"/>
-            </p:cNvPicPr>
-            <p:nvPr/>
-          </p:nvPicPr>
-          <p:blipFill>
-            <a:blip r:embed="rId4">
-              <a:extLst>
-                <a:ext uri="{96DAC541-7B7A-43D3-8B79-37D633B846F1}">
-                  <asvg:svgBlip xmlns:asvg="http://schemas.microsoft.com/office/drawing/2016/SVG/main" r:embed="rId5"/>
-                </a:ext>
-              </a:extLst>
-            </a:blip>
-            <a:srcRect/>
-            <a:stretch/>
-          </p:blipFill>
-          <p:spPr>
-            <a:xfrm>
-              <a:off x="309085" y="6385219"/>
-              <a:ext cx="2874406" cy="309076"/>
-            </a:xfrm>
-            <a:prstGeom prst="rect">
-              <a:avLst/>
-            </a:prstGeom>
-          </p:spPr>
-        </p:pic>
-        <p:pic>
-          <p:nvPicPr>
-            <p:cNvPr id="9" name="Picture 8">
-              <a:hlinkClick r:id="rId3"/>
-              <a:extLst>
-                <a:ext uri="{FF2B5EF4-FFF2-40B4-BE49-F238E27FC236}">
-                  <a16:creationId xmlns:a16="http://schemas.microsoft.com/office/drawing/2014/main" id="{A704A19E-107D-45AF-9B4C-2B4D1EB6AACC}"/>
-                </a:ext>
-              </a:extLst>
-            </p:cNvPr>
-            <p:cNvPicPr>
-              <a:picLocks noChangeAspect="1"/>
-            </p:cNvPicPr>
-            <p:nvPr/>
-          </p:nvPicPr>
-          <p:blipFill>
-            <a:blip r:embed="rId6" cstate="screen">
-              <a:extLst>
-                <a:ext uri="{28A0092B-C50C-407E-A947-70E740481C1C}">
-                  <a14:useLocalDpi xmlns:a14="http://schemas.microsoft.com/office/drawing/2010/main"/>
-                </a:ext>
-              </a:extLst>
-            </a:blip>
-            <a:stretch>
-              <a:fillRect/>
-            </a:stretch>
-          </p:blipFill>
-          <p:spPr>
-            <a:xfrm>
-              <a:off x="1061439" y="5773993"/>
-              <a:ext cx="1369695" cy="547877"/>
-            </a:xfrm>
-            <a:prstGeom prst="rect">
-              <a:avLst/>
-            </a:prstGeom>
-          </p:spPr>
-        </p:pic>
-      </p:grpSp>
-    </p:spTree>
-    <p:extLst>
-      <p:ext uri="{BB962C8B-B14F-4D97-AF65-F5344CB8AC3E}">
-        <p14:creationId xmlns:p14="http://schemas.microsoft.com/office/powerpoint/2010/main" val="943190685"/>
-      </p:ext>
-    </p:extLst>
-  </p:cSld>
-  <p:clrMapOvr>
-    <a:masterClrMapping/>
-  </p:clrMapOvr>
 </p:sld>
 </file>
 
